--- a/documentation/images/PerformanceFlow.pptx
+++ b/documentation/images/PerformanceFlow.pptx
@@ -104,6 +104,11 @@
       </a:defRPr>
     </a:lvl9pPr>
   </p:defaultTextStyle>
+  <p:extLst>
+    <p:ext uri="{EFAFB233-063F-42B5-8137-9DF3F51BA10A}">
+      <p15:sldGuideLst xmlns:p15="http://schemas.microsoft.com/office/powerpoint/2012/main"/>
+    </p:ext>
+  </p:extLst>
 </p:presentation>
 </file>
 
@@ -3357,9 +3362,9 @@
         <p:grpSpPr>
           <a:xfrm>
             <a:off x="-3346315" y="875488"/>
-            <a:ext cx="19161541" cy="4226582"/>
+            <a:ext cx="19161541" cy="4229474"/>
             <a:chOff x="-3346315" y="875488"/>
-            <a:chExt cx="19161541" cy="4226582"/>
+            <a:chExt cx="19161541" cy="4229474"/>
           </a:xfrm>
         </p:grpSpPr>
         <p:sp>
@@ -5395,8 +5400,8 @@
           </p:nvSpPr>
           <p:spPr>
             <a:xfrm>
-              <a:off x="5991419" y="4729643"/>
-              <a:ext cx="962919" cy="369332"/>
+              <a:off x="5808544" y="4735630"/>
+              <a:ext cx="1352657" cy="369332"/>
             </a:xfrm>
             <a:prstGeom prst="rect">
               <a:avLst/>

--- a/documentation/images/PerformanceFlow.pptx
+++ b/documentation/images/PerformanceFlow.pptx
@@ -5191,8 +5191,8 @@
           </p:nvSpPr>
           <p:spPr>
             <a:xfrm>
-              <a:off x="14527648" y="1031878"/>
-              <a:ext cx="962919" cy="369332"/>
+              <a:off x="14118238" y="1031877"/>
+              <a:ext cx="1696988" cy="367754"/>
             </a:xfrm>
             <a:prstGeom prst="rect">
               <a:avLst/>
@@ -5316,8 +5316,8 @@
           </p:nvSpPr>
           <p:spPr>
             <a:xfrm>
-              <a:off x="3519152" y="4732738"/>
-              <a:ext cx="1421251" cy="369332"/>
+              <a:off x="3490277" y="4732737"/>
+              <a:ext cx="1722095" cy="369332"/>
             </a:xfrm>
             <a:prstGeom prst="rect">
               <a:avLst/>
@@ -5400,7 +5400,7 @@
           </p:nvSpPr>
           <p:spPr>
             <a:xfrm>
-              <a:off x="5808544" y="4735630"/>
+              <a:off x="5885544" y="4735630"/>
               <a:ext cx="1352657" cy="369332"/>
             </a:xfrm>
             <a:prstGeom prst="rect">
@@ -5484,7 +5484,7 @@
           </p:nvSpPr>
           <p:spPr>
             <a:xfrm>
-              <a:off x="7938752" y="4725709"/>
+              <a:off x="7996502" y="4725709"/>
               <a:ext cx="962919" cy="369332"/>
             </a:xfrm>
             <a:prstGeom prst="rect">
@@ -5568,7 +5568,7 @@
           </p:nvSpPr>
           <p:spPr>
             <a:xfrm>
-              <a:off x="9829920" y="4725210"/>
+              <a:off x="9897295" y="4725210"/>
               <a:ext cx="962919" cy="369332"/>
             </a:xfrm>
             <a:prstGeom prst="rect">

--- a/documentation/images/PerformanceFlow.pptx
+++ b/documentation/images/PerformanceFlow.pptx
@@ -6,6 +6,8 @@
   </p:sldMasterIdLst>
   <p:sldIdLst>
     <p:sldId id="256" r:id="rId2"/>
+    <p:sldId id="257" r:id="rId3"/>
+    <p:sldId id="258" r:id="rId4"/>
   </p:sldIdLst>
   <p:sldSz cx="12192000" cy="6858000"/>
   <p:notesSz cx="6858000" cy="9144000"/>
@@ -110,6 +112,730 @@
     </p:ext>
   </p:extLst>
 </p:presentation>
+</file>
+
+<file path=ppt/revisionInfo.xml><?xml version="1.0" encoding="utf-8"?>
+<p1510:revInfo xmlns:a="http://schemas.openxmlformats.org/drawingml/2006/main" xmlns:r="http://schemas.openxmlformats.org/officeDocument/2006/relationships" xmlns:p1510="http://schemas.microsoft.com/office/powerpoint/2015/10/main">
+  <p1510:revLst>
+    <p1510:client id="{1B676E78-0188-4DD7-9B5A-5DDB533FDE33}" v="8" dt="2022-12-10T10:18:39.876"/>
+  </p1510:revLst>
+</p1510:revInfo>
+</file>
+
+<file path=ppt/changesInfos/changesInfo1.xml><?xml version="1.0" encoding="utf-8"?>
+<pc:chgInfo xmlns:a="http://schemas.openxmlformats.org/drawingml/2006/main" xmlns:r="http://schemas.openxmlformats.org/officeDocument/2006/relationships" xmlns:ac="http://schemas.microsoft.com/office/drawing/2013/main/command" xmlns:pc="http://schemas.microsoft.com/office/powerpoint/2013/main/command">
+  <pc:docChgLst>
+    <pc:chgData name="Figueroa, Santiago" userId="d8972bd6-bd1a-458c-b039-fd640ebf3566" providerId="ADAL" clId="{1B676E78-0188-4DD7-9B5A-5DDB533FDE33}"/>
+    <pc:docChg chg="undo redo custSel addSld modSld">
+      <pc:chgData name="Figueroa, Santiago" userId="d8972bd6-bd1a-458c-b039-fd640ebf3566" providerId="ADAL" clId="{1B676E78-0188-4DD7-9B5A-5DDB533FDE33}" dt="2022-12-10T10:20:20.517" v="190" actId="207"/>
+      <pc:docMkLst>
+        <pc:docMk/>
+      </pc:docMkLst>
+      <pc:sldChg chg="addSp delSp modSp add mod">
+        <pc:chgData name="Figueroa, Santiago" userId="d8972bd6-bd1a-458c-b039-fd640ebf3566" providerId="ADAL" clId="{1B676E78-0188-4DD7-9B5A-5DDB533FDE33}" dt="2022-12-10T10:19:42.207" v="189" actId="207"/>
+        <pc:sldMkLst>
+          <pc:docMk/>
+          <pc:sldMk cId="1507640459" sldId="257"/>
+        </pc:sldMkLst>
+        <pc:spChg chg="mod topLvl">
+          <ac:chgData name="Figueroa, Santiago" userId="d8972bd6-bd1a-458c-b039-fd640ebf3566" providerId="ADAL" clId="{1B676E78-0188-4DD7-9B5A-5DDB533FDE33}" dt="2022-12-10T10:19:42.207" v="189" actId="207"/>
+          <ac:spMkLst>
+            <pc:docMk/>
+            <pc:sldMk cId="1507640459" sldId="257"/>
+            <ac:spMk id="7" creationId="{7F1890F7-D60F-F91A-ED32-8CF0F65DF593}"/>
+          </ac:spMkLst>
+        </pc:spChg>
+        <pc:spChg chg="mod topLvl">
+          <ac:chgData name="Figueroa, Santiago" userId="d8972bd6-bd1a-458c-b039-fd640ebf3566" providerId="ADAL" clId="{1B676E78-0188-4DD7-9B5A-5DDB533FDE33}" dt="2022-12-10T10:13:45.058" v="87" actId="164"/>
+          <ac:spMkLst>
+            <pc:docMk/>
+            <pc:sldMk cId="1507640459" sldId="257"/>
+            <ac:spMk id="8" creationId="{BA7C34E4-9F68-A4D4-B9AE-EE4EBDC13FFC}"/>
+          </ac:spMkLst>
+        </pc:spChg>
+        <pc:spChg chg="mod topLvl">
+          <ac:chgData name="Figueroa, Santiago" userId="d8972bd6-bd1a-458c-b039-fd640ebf3566" providerId="ADAL" clId="{1B676E78-0188-4DD7-9B5A-5DDB533FDE33}" dt="2022-12-10T10:13:45.058" v="87" actId="164"/>
+          <ac:spMkLst>
+            <pc:docMk/>
+            <pc:sldMk cId="1507640459" sldId="257"/>
+            <ac:spMk id="9" creationId="{7E78680E-1500-E969-13B6-EAB975EAFF89}"/>
+          </ac:spMkLst>
+        </pc:spChg>
+        <pc:spChg chg="mod topLvl">
+          <ac:chgData name="Figueroa, Santiago" userId="d8972bd6-bd1a-458c-b039-fd640ebf3566" providerId="ADAL" clId="{1B676E78-0188-4DD7-9B5A-5DDB533FDE33}" dt="2022-12-10T10:13:45.058" v="87" actId="164"/>
+          <ac:spMkLst>
+            <pc:docMk/>
+            <pc:sldMk cId="1507640459" sldId="257"/>
+            <ac:spMk id="10" creationId="{EC5F5867-B0B9-6C95-0C42-BA1458D186C1}"/>
+          </ac:spMkLst>
+        </pc:spChg>
+        <pc:spChg chg="mod topLvl">
+          <ac:chgData name="Figueroa, Santiago" userId="d8972bd6-bd1a-458c-b039-fd640ebf3566" providerId="ADAL" clId="{1B676E78-0188-4DD7-9B5A-5DDB533FDE33}" dt="2022-12-10T10:13:45.058" v="87" actId="164"/>
+          <ac:spMkLst>
+            <pc:docMk/>
+            <pc:sldMk cId="1507640459" sldId="257"/>
+            <ac:spMk id="11" creationId="{6C11FAC8-B37C-3F7C-095E-829E6F84DD17}"/>
+          </ac:spMkLst>
+        </pc:spChg>
+        <pc:spChg chg="mod topLvl">
+          <ac:chgData name="Figueroa, Santiago" userId="d8972bd6-bd1a-458c-b039-fd640ebf3566" providerId="ADAL" clId="{1B676E78-0188-4DD7-9B5A-5DDB533FDE33}" dt="2022-12-10T10:13:45.058" v="87" actId="164"/>
+          <ac:spMkLst>
+            <pc:docMk/>
+            <pc:sldMk cId="1507640459" sldId="257"/>
+            <ac:spMk id="12" creationId="{CDB2C631-C92F-7587-BC56-F79E9CACE435}"/>
+          </ac:spMkLst>
+        </pc:spChg>
+        <pc:spChg chg="mod topLvl">
+          <ac:chgData name="Figueroa, Santiago" userId="d8972bd6-bd1a-458c-b039-fd640ebf3566" providerId="ADAL" clId="{1B676E78-0188-4DD7-9B5A-5DDB533FDE33}" dt="2022-12-10T10:13:45.058" v="87" actId="164"/>
+          <ac:spMkLst>
+            <pc:docMk/>
+            <pc:sldMk cId="1507640459" sldId="257"/>
+            <ac:spMk id="23" creationId="{4B2DB42F-D786-710F-2DED-17E36A85D8A8}"/>
+          </ac:spMkLst>
+        </pc:spChg>
+        <pc:spChg chg="mod topLvl">
+          <ac:chgData name="Figueroa, Santiago" userId="d8972bd6-bd1a-458c-b039-fd640ebf3566" providerId="ADAL" clId="{1B676E78-0188-4DD7-9B5A-5DDB533FDE33}" dt="2022-12-10T10:13:45.058" v="87" actId="164"/>
+          <ac:spMkLst>
+            <pc:docMk/>
+            <pc:sldMk cId="1507640459" sldId="257"/>
+            <ac:spMk id="26" creationId="{228F0D9A-1550-A26E-E57A-AC8257E66118}"/>
+          </ac:spMkLst>
+        </pc:spChg>
+        <pc:spChg chg="mod topLvl">
+          <ac:chgData name="Figueroa, Santiago" userId="d8972bd6-bd1a-458c-b039-fd640ebf3566" providerId="ADAL" clId="{1B676E78-0188-4DD7-9B5A-5DDB533FDE33}" dt="2022-12-10T10:19:42.207" v="189" actId="207"/>
+          <ac:spMkLst>
+            <pc:docMk/>
+            <pc:sldMk cId="1507640459" sldId="257"/>
+            <ac:spMk id="32" creationId="{D8F67498-7439-DCCD-FE51-C1744468F6EB}"/>
+          </ac:spMkLst>
+        </pc:spChg>
+        <pc:spChg chg="del mod topLvl">
+          <ac:chgData name="Figueroa, Santiago" userId="d8972bd6-bd1a-458c-b039-fd640ebf3566" providerId="ADAL" clId="{1B676E78-0188-4DD7-9B5A-5DDB533FDE33}" dt="2022-12-10T10:11:03.392" v="4" actId="478"/>
+          <ac:spMkLst>
+            <pc:docMk/>
+            <pc:sldMk cId="1507640459" sldId="257"/>
+            <ac:spMk id="36" creationId="{4F6085F6-9107-1F85-6AAD-A8F006BEA5C6}"/>
+          </ac:spMkLst>
+        </pc:spChg>
+        <pc:spChg chg="mod topLvl">
+          <ac:chgData name="Figueroa, Santiago" userId="d8972bd6-bd1a-458c-b039-fd640ebf3566" providerId="ADAL" clId="{1B676E78-0188-4DD7-9B5A-5DDB533FDE33}" dt="2022-12-10T10:13:45.058" v="87" actId="164"/>
+          <ac:spMkLst>
+            <pc:docMk/>
+            <pc:sldMk cId="1507640459" sldId="257"/>
+            <ac:spMk id="39" creationId="{338AA267-7D93-59B7-4B13-3837B35A3B09}"/>
+          </ac:spMkLst>
+        </pc:spChg>
+        <pc:spChg chg="del mod topLvl">
+          <ac:chgData name="Figueroa, Santiago" userId="d8972bd6-bd1a-458c-b039-fd640ebf3566" providerId="ADAL" clId="{1B676E78-0188-4DD7-9B5A-5DDB533FDE33}" dt="2022-12-10T10:11:06.708" v="6" actId="478"/>
+          <ac:spMkLst>
+            <pc:docMk/>
+            <pc:sldMk cId="1507640459" sldId="257"/>
+            <ac:spMk id="47" creationId="{25E28B7F-FF0C-8719-6555-8CA20A28ECF7}"/>
+          </ac:spMkLst>
+        </pc:spChg>
+        <pc:spChg chg="del mod topLvl">
+          <ac:chgData name="Figueroa, Santiago" userId="d8972bd6-bd1a-458c-b039-fd640ebf3566" providerId="ADAL" clId="{1B676E78-0188-4DD7-9B5A-5DDB533FDE33}" dt="2022-12-10T10:11:08.101" v="7" actId="478"/>
+          <ac:spMkLst>
+            <pc:docMk/>
+            <pc:sldMk cId="1507640459" sldId="257"/>
+            <ac:spMk id="48" creationId="{BC6282E8-314F-F618-39D4-A88040C331E8}"/>
+          </ac:spMkLst>
+        </pc:spChg>
+        <pc:spChg chg="mod topLvl">
+          <ac:chgData name="Figueroa, Santiago" userId="d8972bd6-bd1a-458c-b039-fd640ebf3566" providerId="ADAL" clId="{1B676E78-0188-4DD7-9B5A-5DDB533FDE33}" dt="2022-12-10T10:13:45.058" v="87" actId="164"/>
+          <ac:spMkLst>
+            <pc:docMk/>
+            <pc:sldMk cId="1507640459" sldId="257"/>
+            <ac:spMk id="100" creationId="{9C18C582-62EB-F68C-6A0E-87FD6C8CF4E1}"/>
+          </ac:spMkLst>
+        </pc:spChg>
+        <pc:spChg chg="mod topLvl">
+          <ac:chgData name="Figueroa, Santiago" userId="d8972bd6-bd1a-458c-b039-fd640ebf3566" providerId="ADAL" clId="{1B676E78-0188-4DD7-9B5A-5DDB533FDE33}" dt="2022-12-10T10:13:45.058" v="87" actId="164"/>
+          <ac:spMkLst>
+            <pc:docMk/>
+            <pc:sldMk cId="1507640459" sldId="257"/>
+            <ac:spMk id="101" creationId="{62F3828C-9A72-D99D-5FA2-65D6E7AF9E59}"/>
+          </ac:spMkLst>
+        </pc:spChg>
+        <pc:spChg chg="mod topLvl">
+          <ac:chgData name="Figueroa, Santiago" userId="d8972bd6-bd1a-458c-b039-fd640ebf3566" providerId="ADAL" clId="{1B676E78-0188-4DD7-9B5A-5DDB533FDE33}" dt="2022-12-10T10:13:45.058" v="87" actId="164"/>
+          <ac:spMkLst>
+            <pc:docMk/>
+            <pc:sldMk cId="1507640459" sldId="257"/>
+            <ac:spMk id="102" creationId="{FCD7D30F-9AE9-AB92-A46F-F3C1598E67F1}"/>
+          </ac:spMkLst>
+        </pc:spChg>
+        <pc:spChg chg="mod topLvl">
+          <ac:chgData name="Figueroa, Santiago" userId="d8972bd6-bd1a-458c-b039-fd640ebf3566" providerId="ADAL" clId="{1B676E78-0188-4DD7-9B5A-5DDB533FDE33}" dt="2022-12-10T10:13:45.058" v="87" actId="164"/>
+          <ac:spMkLst>
+            <pc:docMk/>
+            <pc:sldMk cId="1507640459" sldId="257"/>
+            <ac:spMk id="104" creationId="{773549F2-A339-7691-AC6E-CA5EA52CF724}"/>
+          </ac:spMkLst>
+        </pc:spChg>
+        <pc:spChg chg="mod topLvl">
+          <ac:chgData name="Figueroa, Santiago" userId="d8972bd6-bd1a-458c-b039-fd640ebf3566" providerId="ADAL" clId="{1B676E78-0188-4DD7-9B5A-5DDB533FDE33}" dt="2022-12-10T10:13:45.058" v="87" actId="164"/>
+          <ac:spMkLst>
+            <pc:docMk/>
+            <pc:sldMk cId="1507640459" sldId="257"/>
+            <ac:spMk id="105" creationId="{DED7BFCC-A4E0-B5C1-704C-3EF31141D6A7}"/>
+          </ac:spMkLst>
+        </pc:spChg>
+        <pc:spChg chg="mod topLvl">
+          <ac:chgData name="Figueroa, Santiago" userId="d8972bd6-bd1a-458c-b039-fd640ebf3566" providerId="ADAL" clId="{1B676E78-0188-4DD7-9B5A-5DDB533FDE33}" dt="2022-12-10T10:13:45.058" v="87" actId="164"/>
+          <ac:spMkLst>
+            <pc:docMk/>
+            <pc:sldMk cId="1507640459" sldId="257"/>
+            <ac:spMk id="106" creationId="{6B91136B-882E-42A9-4838-74CBB1DDF3AE}"/>
+          </ac:spMkLst>
+        </pc:spChg>
+        <pc:spChg chg="del mod topLvl">
+          <ac:chgData name="Figueroa, Santiago" userId="d8972bd6-bd1a-458c-b039-fd640ebf3566" providerId="ADAL" clId="{1B676E78-0188-4DD7-9B5A-5DDB533FDE33}" dt="2022-12-10T10:13:11.505" v="53" actId="478"/>
+          <ac:spMkLst>
+            <pc:docMk/>
+            <pc:sldMk cId="1507640459" sldId="257"/>
+            <ac:spMk id="108" creationId="{533AA22F-8E4E-E987-B832-CA4ECF3F84B3}"/>
+          </ac:spMkLst>
+        </pc:spChg>
+        <pc:spChg chg="del mod topLvl">
+          <ac:chgData name="Figueroa, Santiago" userId="d8972bd6-bd1a-458c-b039-fd640ebf3566" providerId="ADAL" clId="{1B676E78-0188-4DD7-9B5A-5DDB533FDE33}" dt="2022-12-10T10:13:15.439" v="55" actId="478"/>
+          <ac:spMkLst>
+            <pc:docMk/>
+            <pc:sldMk cId="1507640459" sldId="257"/>
+            <ac:spMk id="110" creationId="{06ADBFE4-CF5E-4CC3-0EB8-2E205CE35307}"/>
+          </ac:spMkLst>
+        </pc:spChg>
+        <pc:spChg chg="mod topLvl">
+          <ac:chgData name="Figueroa, Santiago" userId="d8972bd6-bd1a-458c-b039-fd640ebf3566" providerId="ADAL" clId="{1B676E78-0188-4DD7-9B5A-5DDB533FDE33}" dt="2022-12-10T10:13:45.058" v="87" actId="164"/>
+          <ac:spMkLst>
+            <pc:docMk/>
+            <pc:sldMk cId="1507640459" sldId="257"/>
+            <ac:spMk id="112" creationId="{92B1D987-44C7-FCE8-1D6A-A2E945D65A2D}"/>
+          </ac:spMkLst>
+        </pc:spChg>
+        <pc:spChg chg="mod topLvl">
+          <ac:chgData name="Figueroa, Santiago" userId="d8972bd6-bd1a-458c-b039-fd640ebf3566" providerId="ADAL" clId="{1B676E78-0188-4DD7-9B5A-5DDB533FDE33}" dt="2022-12-10T10:13:45.058" v="87" actId="164"/>
+          <ac:spMkLst>
+            <pc:docMk/>
+            <pc:sldMk cId="1507640459" sldId="257"/>
+            <ac:spMk id="114" creationId="{82A76681-CE2D-F6A8-F7EB-AECC3E64BAC6}"/>
+          </ac:spMkLst>
+        </pc:spChg>
+        <pc:grpChg chg="add mod">
+          <ac:chgData name="Figueroa, Santiago" userId="d8972bd6-bd1a-458c-b039-fd640ebf3566" providerId="ADAL" clId="{1B676E78-0188-4DD7-9B5A-5DDB533FDE33}" dt="2022-12-10T10:14:14.631" v="90" actId="1076"/>
+          <ac:grpSpMkLst>
+            <pc:docMk/>
+            <pc:sldMk cId="1507640459" sldId="257"/>
+            <ac:grpSpMk id="4" creationId="{57340DB1-6D69-A08A-F120-DE029B99D9AD}"/>
+          </ac:grpSpMkLst>
+        </pc:grpChg>
+        <pc:grpChg chg="del">
+          <ac:chgData name="Figueroa, Santiago" userId="d8972bd6-bd1a-458c-b039-fd640ebf3566" providerId="ADAL" clId="{1B676E78-0188-4DD7-9B5A-5DDB533FDE33}" dt="2022-12-10T10:10:54.237" v="1" actId="165"/>
+          <ac:grpSpMkLst>
+            <pc:docMk/>
+            <pc:sldMk cId="1507640459" sldId="257"/>
+            <ac:grpSpMk id="115" creationId="{7883027D-1225-55D8-F76A-8F7A69A25EDF}"/>
+          </ac:grpSpMkLst>
+        </pc:grpChg>
+        <pc:cxnChg chg="del mod topLvl">
+          <ac:chgData name="Figueroa, Santiago" userId="d8972bd6-bd1a-458c-b039-fd640ebf3566" providerId="ADAL" clId="{1B676E78-0188-4DD7-9B5A-5DDB533FDE33}" dt="2022-12-10T10:11:01.715" v="3" actId="478"/>
+          <ac:cxnSpMkLst>
+            <pc:docMk/>
+            <pc:sldMk cId="1507640459" sldId="257"/>
+            <ac:cxnSpMk id="50" creationId="{EF709FF1-864D-3363-8516-7CD02FBED56A}"/>
+          </ac:cxnSpMkLst>
+        </pc:cxnChg>
+        <pc:cxnChg chg="del mod topLvl">
+          <ac:chgData name="Figueroa, Santiago" userId="d8972bd6-bd1a-458c-b039-fd640ebf3566" providerId="ADAL" clId="{1B676E78-0188-4DD7-9B5A-5DDB533FDE33}" dt="2022-12-10T10:11:00.615" v="2" actId="478"/>
+          <ac:cxnSpMkLst>
+            <pc:docMk/>
+            <pc:sldMk cId="1507640459" sldId="257"/>
+            <ac:cxnSpMk id="51" creationId="{40326D47-5FFA-317B-B781-54C70C559491}"/>
+          </ac:cxnSpMkLst>
+        </pc:cxnChg>
+        <pc:cxnChg chg="del mod topLvl">
+          <ac:chgData name="Figueroa, Santiago" userId="d8972bd6-bd1a-458c-b039-fd640ebf3566" providerId="ADAL" clId="{1B676E78-0188-4DD7-9B5A-5DDB533FDE33}" dt="2022-12-10T10:11:05.247" v="5" actId="478"/>
+          <ac:cxnSpMkLst>
+            <pc:docMk/>
+            <pc:sldMk cId="1507640459" sldId="257"/>
+            <ac:cxnSpMk id="56" creationId="{B31FE1E5-057B-1831-ED23-8D5BFBF37EB5}"/>
+          </ac:cxnSpMkLst>
+        </pc:cxnChg>
+        <pc:cxnChg chg="mod topLvl">
+          <ac:chgData name="Figueroa, Santiago" userId="d8972bd6-bd1a-458c-b039-fd640ebf3566" providerId="ADAL" clId="{1B676E78-0188-4DD7-9B5A-5DDB533FDE33}" dt="2022-12-10T10:13:45.058" v="87" actId="164"/>
+          <ac:cxnSpMkLst>
+            <pc:docMk/>
+            <pc:sldMk cId="1507640459" sldId="257"/>
+            <ac:cxnSpMk id="57" creationId="{1D548B01-AF1C-FF0B-1F31-38C127036155}"/>
+          </ac:cxnSpMkLst>
+        </pc:cxnChg>
+        <pc:cxnChg chg="mod topLvl">
+          <ac:chgData name="Figueroa, Santiago" userId="d8972bd6-bd1a-458c-b039-fd640ebf3566" providerId="ADAL" clId="{1B676E78-0188-4DD7-9B5A-5DDB533FDE33}" dt="2022-12-10T10:13:45.058" v="87" actId="164"/>
+          <ac:cxnSpMkLst>
+            <pc:docMk/>
+            <pc:sldMk cId="1507640459" sldId="257"/>
+            <ac:cxnSpMk id="61" creationId="{5471A100-A8FE-B8A9-4FF2-026B8348F8C3}"/>
+          </ac:cxnSpMkLst>
+        </pc:cxnChg>
+        <pc:cxnChg chg="mod topLvl">
+          <ac:chgData name="Figueroa, Santiago" userId="d8972bd6-bd1a-458c-b039-fd640ebf3566" providerId="ADAL" clId="{1B676E78-0188-4DD7-9B5A-5DDB533FDE33}" dt="2022-12-10T10:13:45.058" v="87" actId="164"/>
+          <ac:cxnSpMkLst>
+            <pc:docMk/>
+            <pc:sldMk cId="1507640459" sldId="257"/>
+            <ac:cxnSpMk id="66" creationId="{7E0A451A-728B-A344-FDEC-C1864A366D09}"/>
+          </ac:cxnSpMkLst>
+        </pc:cxnChg>
+        <pc:cxnChg chg="mod topLvl">
+          <ac:chgData name="Figueroa, Santiago" userId="d8972bd6-bd1a-458c-b039-fd640ebf3566" providerId="ADAL" clId="{1B676E78-0188-4DD7-9B5A-5DDB533FDE33}" dt="2022-12-10T10:13:45.058" v="87" actId="164"/>
+          <ac:cxnSpMkLst>
+            <pc:docMk/>
+            <pc:sldMk cId="1507640459" sldId="257"/>
+            <ac:cxnSpMk id="73" creationId="{7CE41D0E-B776-DABC-1726-E153FD64C73B}"/>
+          </ac:cxnSpMkLst>
+        </pc:cxnChg>
+        <pc:cxnChg chg="mod topLvl">
+          <ac:chgData name="Figueroa, Santiago" userId="d8972bd6-bd1a-458c-b039-fd640ebf3566" providerId="ADAL" clId="{1B676E78-0188-4DD7-9B5A-5DDB533FDE33}" dt="2022-12-10T10:13:45.058" v="87" actId="164"/>
+          <ac:cxnSpMkLst>
+            <pc:docMk/>
+            <pc:sldMk cId="1507640459" sldId="257"/>
+            <ac:cxnSpMk id="76" creationId="{525CC255-E284-4A16-78D7-0A31AEBF7566}"/>
+          </ac:cxnSpMkLst>
+        </pc:cxnChg>
+        <pc:cxnChg chg="mod topLvl">
+          <ac:chgData name="Figueroa, Santiago" userId="d8972bd6-bd1a-458c-b039-fd640ebf3566" providerId="ADAL" clId="{1B676E78-0188-4DD7-9B5A-5DDB533FDE33}" dt="2022-12-10T10:13:45.058" v="87" actId="164"/>
+          <ac:cxnSpMkLst>
+            <pc:docMk/>
+            <pc:sldMk cId="1507640459" sldId="257"/>
+            <ac:cxnSpMk id="79" creationId="{B0C926B9-F4D8-CB23-C421-0E043293EDC7}"/>
+          </ac:cxnSpMkLst>
+        </pc:cxnChg>
+        <pc:cxnChg chg="mod topLvl">
+          <ac:chgData name="Figueroa, Santiago" userId="d8972bd6-bd1a-458c-b039-fd640ebf3566" providerId="ADAL" clId="{1B676E78-0188-4DD7-9B5A-5DDB533FDE33}" dt="2022-12-10T10:13:45.058" v="87" actId="164"/>
+          <ac:cxnSpMkLst>
+            <pc:docMk/>
+            <pc:sldMk cId="1507640459" sldId="257"/>
+            <ac:cxnSpMk id="83" creationId="{2F270F80-18F2-A69B-9922-A737E141C48D}"/>
+          </ac:cxnSpMkLst>
+        </pc:cxnChg>
+        <pc:cxnChg chg="mod topLvl">
+          <ac:chgData name="Figueroa, Santiago" userId="d8972bd6-bd1a-458c-b039-fd640ebf3566" providerId="ADAL" clId="{1B676E78-0188-4DD7-9B5A-5DDB533FDE33}" dt="2022-12-10T10:13:45.058" v="87" actId="164"/>
+          <ac:cxnSpMkLst>
+            <pc:docMk/>
+            <pc:sldMk cId="1507640459" sldId="257"/>
+            <ac:cxnSpMk id="87" creationId="{CDF8659C-C9D4-735A-A96B-4516B6AA5D29}"/>
+          </ac:cxnSpMkLst>
+        </pc:cxnChg>
+        <pc:cxnChg chg="mod topLvl">
+          <ac:chgData name="Figueroa, Santiago" userId="d8972bd6-bd1a-458c-b039-fd640ebf3566" providerId="ADAL" clId="{1B676E78-0188-4DD7-9B5A-5DDB533FDE33}" dt="2022-12-10T10:13:45.058" v="87" actId="164"/>
+          <ac:cxnSpMkLst>
+            <pc:docMk/>
+            <pc:sldMk cId="1507640459" sldId="257"/>
+            <ac:cxnSpMk id="90" creationId="{5EE65EDF-A640-DF5D-1A40-E0E4B41E2477}"/>
+          </ac:cxnSpMkLst>
+        </pc:cxnChg>
+        <pc:cxnChg chg="mod topLvl">
+          <ac:chgData name="Figueroa, Santiago" userId="d8972bd6-bd1a-458c-b039-fd640ebf3566" providerId="ADAL" clId="{1B676E78-0188-4DD7-9B5A-5DDB533FDE33}" dt="2022-12-10T10:13:45.058" v="87" actId="164"/>
+          <ac:cxnSpMkLst>
+            <pc:docMk/>
+            <pc:sldMk cId="1507640459" sldId="257"/>
+            <ac:cxnSpMk id="93" creationId="{DD2A88EE-AF08-4AD9-B8DE-60887702B917}"/>
+          </ac:cxnSpMkLst>
+        </pc:cxnChg>
+        <pc:cxnChg chg="mod topLvl">
+          <ac:chgData name="Figueroa, Santiago" userId="d8972bd6-bd1a-458c-b039-fd640ebf3566" providerId="ADAL" clId="{1B676E78-0188-4DD7-9B5A-5DDB533FDE33}" dt="2022-12-10T10:13:45.058" v="87" actId="164"/>
+          <ac:cxnSpMkLst>
+            <pc:docMk/>
+            <pc:sldMk cId="1507640459" sldId="257"/>
+            <ac:cxnSpMk id="96" creationId="{5C8A1978-A8CA-873B-1543-3EC857537F14}"/>
+          </ac:cxnSpMkLst>
+        </pc:cxnChg>
+        <pc:cxnChg chg="del mod topLvl">
+          <ac:chgData name="Figueroa, Santiago" userId="d8972bd6-bd1a-458c-b039-fd640ebf3566" providerId="ADAL" clId="{1B676E78-0188-4DD7-9B5A-5DDB533FDE33}" dt="2022-12-10T10:13:06.228" v="52" actId="478"/>
+          <ac:cxnSpMkLst>
+            <pc:docMk/>
+            <pc:sldMk cId="1507640459" sldId="257"/>
+            <ac:cxnSpMk id="107" creationId="{ED6E4CA3-916E-DFDB-4DDA-079E44BF0592}"/>
+          </ac:cxnSpMkLst>
+        </pc:cxnChg>
+        <pc:cxnChg chg="del mod topLvl">
+          <ac:chgData name="Figueroa, Santiago" userId="d8972bd6-bd1a-458c-b039-fd640ebf3566" providerId="ADAL" clId="{1B676E78-0188-4DD7-9B5A-5DDB533FDE33}" dt="2022-12-10T10:13:13.280" v="54" actId="478"/>
+          <ac:cxnSpMkLst>
+            <pc:docMk/>
+            <pc:sldMk cId="1507640459" sldId="257"/>
+            <ac:cxnSpMk id="109" creationId="{D24EAE98-D373-E9C9-7B82-57BD500036E9}"/>
+          </ac:cxnSpMkLst>
+        </pc:cxnChg>
+        <pc:cxnChg chg="mod topLvl">
+          <ac:chgData name="Figueroa, Santiago" userId="d8972bd6-bd1a-458c-b039-fd640ebf3566" providerId="ADAL" clId="{1B676E78-0188-4DD7-9B5A-5DDB533FDE33}" dt="2022-12-10T10:13:45.058" v="87" actId="164"/>
+          <ac:cxnSpMkLst>
+            <pc:docMk/>
+            <pc:sldMk cId="1507640459" sldId="257"/>
+            <ac:cxnSpMk id="111" creationId="{973D7E5D-1DBA-FE07-FE62-12F2308F153A}"/>
+          </ac:cxnSpMkLst>
+        </pc:cxnChg>
+        <pc:cxnChg chg="mod topLvl">
+          <ac:chgData name="Figueroa, Santiago" userId="d8972bd6-bd1a-458c-b039-fd640ebf3566" providerId="ADAL" clId="{1B676E78-0188-4DD7-9B5A-5DDB533FDE33}" dt="2022-12-10T10:13:45.058" v="87" actId="164"/>
+          <ac:cxnSpMkLst>
+            <pc:docMk/>
+            <pc:sldMk cId="1507640459" sldId="257"/>
+            <ac:cxnSpMk id="113" creationId="{2D923CC8-8C06-F241-9754-78DEFA0C9152}"/>
+          </ac:cxnSpMkLst>
+        </pc:cxnChg>
+      </pc:sldChg>
+      <pc:sldChg chg="addSp delSp modSp add mod">
+        <pc:chgData name="Figueroa, Santiago" userId="d8972bd6-bd1a-458c-b039-fd640ebf3566" providerId="ADAL" clId="{1B676E78-0188-4DD7-9B5A-5DDB533FDE33}" dt="2022-12-10T10:20:20.517" v="190" actId="207"/>
+        <pc:sldMkLst>
+          <pc:docMk/>
+          <pc:sldMk cId="2997687765" sldId="258"/>
+        </pc:sldMkLst>
+        <pc:spChg chg="mod topLvl">
+          <ac:chgData name="Figueroa, Santiago" userId="d8972bd6-bd1a-458c-b039-fd640ebf3566" providerId="ADAL" clId="{1B676E78-0188-4DD7-9B5A-5DDB533FDE33}" dt="2022-12-10T10:18:39.875" v="177" actId="164"/>
+          <ac:spMkLst>
+            <pc:docMk/>
+            <pc:sldMk cId="2997687765" sldId="258"/>
+            <ac:spMk id="7" creationId="{7F1890F7-D60F-F91A-ED32-8CF0F65DF593}"/>
+          </ac:spMkLst>
+        </pc:spChg>
+        <pc:spChg chg="mod topLvl">
+          <ac:chgData name="Figueroa, Santiago" userId="d8972bd6-bd1a-458c-b039-fd640ebf3566" providerId="ADAL" clId="{1B676E78-0188-4DD7-9B5A-5DDB533FDE33}" dt="2022-12-10T10:18:39.875" v="177" actId="164"/>
+          <ac:spMkLst>
+            <pc:docMk/>
+            <pc:sldMk cId="2997687765" sldId="258"/>
+            <ac:spMk id="8" creationId="{BA7C34E4-9F68-A4D4-B9AE-EE4EBDC13FFC}"/>
+          </ac:spMkLst>
+        </pc:spChg>
+        <pc:spChg chg="mod topLvl">
+          <ac:chgData name="Figueroa, Santiago" userId="d8972bd6-bd1a-458c-b039-fd640ebf3566" providerId="ADAL" clId="{1B676E78-0188-4DD7-9B5A-5DDB533FDE33}" dt="2022-12-10T10:18:39.875" v="177" actId="164"/>
+          <ac:spMkLst>
+            <pc:docMk/>
+            <pc:sldMk cId="2997687765" sldId="258"/>
+            <ac:spMk id="9" creationId="{7E78680E-1500-E969-13B6-EAB975EAFF89}"/>
+          </ac:spMkLst>
+        </pc:spChg>
+        <pc:spChg chg="mod topLvl">
+          <ac:chgData name="Figueroa, Santiago" userId="d8972bd6-bd1a-458c-b039-fd640ebf3566" providerId="ADAL" clId="{1B676E78-0188-4DD7-9B5A-5DDB533FDE33}" dt="2022-12-10T10:18:39.875" v="177" actId="164"/>
+          <ac:spMkLst>
+            <pc:docMk/>
+            <pc:sldMk cId="2997687765" sldId="258"/>
+            <ac:spMk id="10" creationId="{EC5F5867-B0B9-6C95-0C42-BA1458D186C1}"/>
+          </ac:spMkLst>
+        </pc:spChg>
+        <pc:spChg chg="mod topLvl">
+          <ac:chgData name="Figueroa, Santiago" userId="d8972bd6-bd1a-458c-b039-fd640ebf3566" providerId="ADAL" clId="{1B676E78-0188-4DD7-9B5A-5DDB533FDE33}" dt="2022-12-10T10:18:39.875" v="177" actId="164"/>
+          <ac:spMkLst>
+            <pc:docMk/>
+            <pc:sldMk cId="2997687765" sldId="258"/>
+            <ac:spMk id="11" creationId="{6C11FAC8-B37C-3F7C-095E-829E6F84DD17}"/>
+          </ac:spMkLst>
+        </pc:spChg>
+        <pc:spChg chg="mod topLvl">
+          <ac:chgData name="Figueroa, Santiago" userId="d8972bd6-bd1a-458c-b039-fd640ebf3566" providerId="ADAL" clId="{1B676E78-0188-4DD7-9B5A-5DDB533FDE33}" dt="2022-12-10T10:20:20.517" v="190" actId="207"/>
+          <ac:spMkLst>
+            <pc:docMk/>
+            <pc:sldMk cId="2997687765" sldId="258"/>
+            <ac:spMk id="12" creationId="{CDB2C631-C92F-7587-BC56-F79E9CACE435}"/>
+          </ac:spMkLst>
+        </pc:spChg>
+        <pc:spChg chg="mod topLvl">
+          <ac:chgData name="Figueroa, Santiago" userId="d8972bd6-bd1a-458c-b039-fd640ebf3566" providerId="ADAL" clId="{1B676E78-0188-4DD7-9B5A-5DDB533FDE33}" dt="2022-12-10T10:18:39.875" v="177" actId="164"/>
+          <ac:spMkLst>
+            <pc:docMk/>
+            <pc:sldMk cId="2997687765" sldId="258"/>
+            <ac:spMk id="23" creationId="{4B2DB42F-D786-710F-2DED-17E36A85D8A8}"/>
+          </ac:spMkLst>
+        </pc:spChg>
+        <pc:spChg chg="del mod topLvl">
+          <ac:chgData name="Figueroa, Santiago" userId="d8972bd6-bd1a-458c-b039-fd640ebf3566" providerId="ADAL" clId="{1B676E78-0188-4DD7-9B5A-5DDB533FDE33}" dt="2022-12-10T10:15:33.394" v="105" actId="478"/>
+          <ac:spMkLst>
+            <pc:docMk/>
+            <pc:sldMk cId="2997687765" sldId="258"/>
+            <ac:spMk id="26" creationId="{228F0D9A-1550-A26E-E57A-AC8257E66118}"/>
+          </ac:spMkLst>
+        </pc:spChg>
+        <pc:spChg chg="mod topLvl">
+          <ac:chgData name="Figueroa, Santiago" userId="d8972bd6-bd1a-458c-b039-fd640ebf3566" providerId="ADAL" clId="{1B676E78-0188-4DD7-9B5A-5DDB533FDE33}" dt="2022-12-10T10:20:20.517" v="190" actId="207"/>
+          <ac:spMkLst>
+            <pc:docMk/>
+            <pc:sldMk cId="2997687765" sldId="258"/>
+            <ac:spMk id="32" creationId="{D8F67498-7439-DCCD-FE51-C1744468F6EB}"/>
+          </ac:spMkLst>
+        </pc:spChg>
+        <pc:spChg chg="del mod topLvl">
+          <ac:chgData name="Figueroa, Santiago" userId="d8972bd6-bd1a-458c-b039-fd640ebf3566" providerId="ADAL" clId="{1B676E78-0188-4DD7-9B5A-5DDB533FDE33}" dt="2022-12-10T10:15:04.712" v="94" actId="478"/>
+          <ac:spMkLst>
+            <pc:docMk/>
+            <pc:sldMk cId="2997687765" sldId="258"/>
+            <ac:spMk id="36" creationId="{4F6085F6-9107-1F85-6AAD-A8F006BEA5C6}"/>
+          </ac:spMkLst>
+        </pc:spChg>
+        <pc:spChg chg="del mod topLvl">
+          <ac:chgData name="Figueroa, Santiago" userId="d8972bd6-bd1a-458c-b039-fd640ebf3566" providerId="ADAL" clId="{1B676E78-0188-4DD7-9B5A-5DDB533FDE33}" dt="2022-12-10T10:15:39.190" v="108" actId="478"/>
+          <ac:spMkLst>
+            <pc:docMk/>
+            <pc:sldMk cId="2997687765" sldId="258"/>
+            <ac:spMk id="39" creationId="{338AA267-7D93-59B7-4B13-3837B35A3B09}"/>
+          </ac:spMkLst>
+        </pc:spChg>
+        <pc:spChg chg="del mod topLvl">
+          <ac:chgData name="Figueroa, Santiago" userId="d8972bd6-bd1a-458c-b039-fd640ebf3566" providerId="ADAL" clId="{1B676E78-0188-4DD7-9B5A-5DDB533FDE33}" dt="2022-12-10T10:15:12.289" v="98" actId="478"/>
+          <ac:spMkLst>
+            <pc:docMk/>
+            <pc:sldMk cId="2997687765" sldId="258"/>
+            <ac:spMk id="47" creationId="{25E28B7F-FF0C-8719-6555-8CA20A28ECF7}"/>
+          </ac:spMkLst>
+        </pc:spChg>
+        <pc:spChg chg="del mod topLvl">
+          <ac:chgData name="Figueroa, Santiago" userId="d8972bd6-bd1a-458c-b039-fd640ebf3566" providerId="ADAL" clId="{1B676E78-0188-4DD7-9B5A-5DDB533FDE33}" dt="2022-12-10T10:15:10.732" v="97" actId="478"/>
+          <ac:spMkLst>
+            <pc:docMk/>
+            <pc:sldMk cId="2997687765" sldId="258"/>
+            <ac:spMk id="48" creationId="{BC6282E8-314F-F618-39D4-A88040C331E8}"/>
+          </ac:spMkLst>
+        </pc:spChg>
+        <pc:spChg chg="mod topLvl">
+          <ac:chgData name="Figueroa, Santiago" userId="d8972bd6-bd1a-458c-b039-fd640ebf3566" providerId="ADAL" clId="{1B676E78-0188-4DD7-9B5A-5DDB533FDE33}" dt="2022-12-10T10:18:39.875" v="177" actId="164"/>
+          <ac:spMkLst>
+            <pc:docMk/>
+            <pc:sldMk cId="2997687765" sldId="258"/>
+            <ac:spMk id="100" creationId="{9C18C582-62EB-F68C-6A0E-87FD6C8CF4E1}"/>
+          </ac:spMkLst>
+        </pc:spChg>
+        <pc:spChg chg="mod topLvl">
+          <ac:chgData name="Figueroa, Santiago" userId="d8972bd6-bd1a-458c-b039-fd640ebf3566" providerId="ADAL" clId="{1B676E78-0188-4DD7-9B5A-5DDB533FDE33}" dt="2022-12-10T10:18:39.875" v="177" actId="164"/>
+          <ac:spMkLst>
+            <pc:docMk/>
+            <pc:sldMk cId="2997687765" sldId="258"/>
+            <ac:spMk id="101" creationId="{62F3828C-9A72-D99D-5FA2-65D6E7AF9E59}"/>
+          </ac:spMkLst>
+        </pc:spChg>
+        <pc:spChg chg="del mod topLvl">
+          <ac:chgData name="Figueroa, Santiago" userId="d8972bd6-bd1a-458c-b039-fd640ebf3566" providerId="ADAL" clId="{1B676E78-0188-4DD7-9B5A-5DDB533FDE33}" dt="2022-12-10T10:15:42.175" v="110" actId="478"/>
+          <ac:spMkLst>
+            <pc:docMk/>
+            <pc:sldMk cId="2997687765" sldId="258"/>
+            <ac:spMk id="102" creationId="{FCD7D30F-9AE9-AB92-A46F-F3C1598E67F1}"/>
+          </ac:spMkLst>
+        </pc:spChg>
+        <pc:spChg chg="mod topLvl">
+          <ac:chgData name="Figueroa, Santiago" userId="d8972bd6-bd1a-458c-b039-fd640ebf3566" providerId="ADAL" clId="{1B676E78-0188-4DD7-9B5A-5DDB533FDE33}" dt="2022-12-10T10:18:39.875" v="177" actId="164"/>
+          <ac:spMkLst>
+            <pc:docMk/>
+            <pc:sldMk cId="2997687765" sldId="258"/>
+            <ac:spMk id="104" creationId="{773549F2-A339-7691-AC6E-CA5EA52CF724}"/>
+          </ac:spMkLst>
+        </pc:spChg>
+        <pc:spChg chg="del mod topLvl">
+          <ac:chgData name="Figueroa, Santiago" userId="d8972bd6-bd1a-458c-b039-fd640ebf3566" providerId="ADAL" clId="{1B676E78-0188-4DD7-9B5A-5DDB533FDE33}" dt="2022-12-10T10:15:40.907" v="109" actId="478"/>
+          <ac:spMkLst>
+            <pc:docMk/>
+            <pc:sldMk cId="2997687765" sldId="258"/>
+            <ac:spMk id="105" creationId="{DED7BFCC-A4E0-B5C1-704C-3EF31141D6A7}"/>
+          </ac:spMkLst>
+        </pc:spChg>
+        <pc:spChg chg="mod topLvl">
+          <ac:chgData name="Figueroa, Santiago" userId="d8972bd6-bd1a-458c-b039-fd640ebf3566" providerId="ADAL" clId="{1B676E78-0188-4DD7-9B5A-5DDB533FDE33}" dt="2022-12-10T10:18:39.875" v="177" actId="164"/>
+          <ac:spMkLst>
+            <pc:docMk/>
+            <pc:sldMk cId="2997687765" sldId="258"/>
+            <ac:spMk id="106" creationId="{6B91136B-882E-42A9-4838-74CBB1DDF3AE}"/>
+          </ac:spMkLst>
+        </pc:spChg>
+        <pc:spChg chg="del mod topLvl">
+          <ac:chgData name="Figueroa, Santiago" userId="d8972bd6-bd1a-458c-b039-fd640ebf3566" providerId="ADAL" clId="{1B676E78-0188-4DD7-9B5A-5DDB533FDE33}" dt="2022-12-10T10:15:16.085" v="100" actId="478"/>
+          <ac:spMkLst>
+            <pc:docMk/>
+            <pc:sldMk cId="2997687765" sldId="258"/>
+            <ac:spMk id="108" creationId="{533AA22F-8E4E-E987-B832-CA4ECF3F84B3}"/>
+          </ac:spMkLst>
+        </pc:spChg>
+        <pc:spChg chg="add del mod topLvl">
+          <ac:chgData name="Figueroa, Santiago" userId="d8972bd6-bd1a-458c-b039-fd640ebf3566" providerId="ADAL" clId="{1B676E78-0188-4DD7-9B5A-5DDB533FDE33}" dt="2022-12-10T10:15:28.456" v="104" actId="478"/>
+          <ac:spMkLst>
+            <pc:docMk/>
+            <pc:sldMk cId="2997687765" sldId="258"/>
+            <ac:spMk id="110" creationId="{06ADBFE4-CF5E-4CC3-0EB8-2E205CE35307}"/>
+          </ac:spMkLst>
+        </pc:spChg>
+        <pc:spChg chg="mod topLvl">
+          <ac:chgData name="Figueroa, Santiago" userId="d8972bd6-bd1a-458c-b039-fd640ebf3566" providerId="ADAL" clId="{1B676E78-0188-4DD7-9B5A-5DDB533FDE33}" dt="2022-12-10T10:18:39.875" v="177" actId="164"/>
+          <ac:spMkLst>
+            <pc:docMk/>
+            <pc:sldMk cId="2997687765" sldId="258"/>
+            <ac:spMk id="112" creationId="{92B1D987-44C7-FCE8-1D6A-A2E945D65A2D}"/>
+          </ac:spMkLst>
+        </pc:spChg>
+        <pc:spChg chg="mod topLvl">
+          <ac:chgData name="Figueroa, Santiago" userId="d8972bd6-bd1a-458c-b039-fd640ebf3566" providerId="ADAL" clId="{1B676E78-0188-4DD7-9B5A-5DDB533FDE33}" dt="2022-12-10T10:18:39.875" v="177" actId="164"/>
+          <ac:spMkLst>
+            <pc:docMk/>
+            <pc:sldMk cId="2997687765" sldId="258"/>
+            <ac:spMk id="114" creationId="{82A76681-CE2D-F6A8-F7EB-AECC3E64BAC6}"/>
+          </ac:spMkLst>
+        </pc:spChg>
+        <pc:grpChg chg="add mod">
+          <ac:chgData name="Figueroa, Santiago" userId="d8972bd6-bd1a-458c-b039-fd640ebf3566" providerId="ADAL" clId="{1B676E78-0188-4DD7-9B5A-5DDB533FDE33}" dt="2022-12-10T10:18:39.875" v="177" actId="164"/>
+          <ac:grpSpMkLst>
+            <pc:docMk/>
+            <pc:sldMk cId="2997687765" sldId="258"/>
+            <ac:grpSpMk id="5" creationId="{5A57E77B-7D32-3F87-84F5-347CF98E3B17}"/>
+          </ac:grpSpMkLst>
+        </pc:grpChg>
+        <pc:grpChg chg="del">
+          <ac:chgData name="Figueroa, Santiago" userId="d8972bd6-bd1a-458c-b039-fd640ebf3566" providerId="ADAL" clId="{1B676E78-0188-4DD7-9B5A-5DDB533FDE33}" dt="2022-12-10T10:14:53.348" v="92" actId="165"/>
+          <ac:grpSpMkLst>
+            <pc:docMk/>
+            <pc:sldMk cId="2997687765" sldId="258"/>
+            <ac:grpSpMk id="115" creationId="{7883027D-1225-55D8-F76A-8F7A69A25EDF}"/>
+          </ac:grpSpMkLst>
+        </pc:grpChg>
+        <pc:cxnChg chg="del mod topLvl">
+          <ac:chgData name="Figueroa, Santiago" userId="d8972bd6-bd1a-458c-b039-fd640ebf3566" providerId="ADAL" clId="{1B676E78-0188-4DD7-9B5A-5DDB533FDE33}" dt="2022-12-10T10:15:06.997" v="95" actId="478"/>
+          <ac:cxnSpMkLst>
+            <pc:docMk/>
+            <pc:sldMk cId="2997687765" sldId="258"/>
+            <ac:cxnSpMk id="50" creationId="{EF709FF1-864D-3363-8516-7CD02FBED56A}"/>
+          </ac:cxnSpMkLst>
+        </pc:cxnChg>
+        <pc:cxnChg chg="del mod topLvl">
+          <ac:chgData name="Figueroa, Santiago" userId="d8972bd6-bd1a-458c-b039-fd640ebf3566" providerId="ADAL" clId="{1B676E78-0188-4DD7-9B5A-5DDB533FDE33}" dt="2022-12-10T10:15:09.041" v="96" actId="478"/>
+          <ac:cxnSpMkLst>
+            <pc:docMk/>
+            <pc:sldMk cId="2997687765" sldId="258"/>
+            <ac:cxnSpMk id="51" creationId="{40326D47-5FFA-317B-B781-54C70C559491}"/>
+          </ac:cxnSpMkLst>
+        </pc:cxnChg>
+        <pc:cxnChg chg="del mod topLvl">
+          <ac:chgData name="Figueroa, Santiago" userId="d8972bd6-bd1a-458c-b039-fd640ebf3566" providerId="ADAL" clId="{1B676E78-0188-4DD7-9B5A-5DDB533FDE33}" dt="2022-12-10T10:15:02.565" v="93" actId="478"/>
+          <ac:cxnSpMkLst>
+            <pc:docMk/>
+            <pc:sldMk cId="2997687765" sldId="258"/>
+            <ac:cxnSpMk id="56" creationId="{B31FE1E5-057B-1831-ED23-8D5BFBF37EB5}"/>
+          </ac:cxnSpMkLst>
+        </pc:cxnChg>
+        <pc:cxnChg chg="mod topLvl">
+          <ac:chgData name="Figueroa, Santiago" userId="d8972bd6-bd1a-458c-b039-fd640ebf3566" providerId="ADAL" clId="{1B676E78-0188-4DD7-9B5A-5DDB533FDE33}" dt="2022-12-10T10:18:39.875" v="177" actId="164"/>
+          <ac:cxnSpMkLst>
+            <pc:docMk/>
+            <pc:sldMk cId="2997687765" sldId="258"/>
+            <ac:cxnSpMk id="57" creationId="{1D548B01-AF1C-FF0B-1F31-38C127036155}"/>
+          </ac:cxnSpMkLst>
+        </pc:cxnChg>
+        <pc:cxnChg chg="mod topLvl">
+          <ac:chgData name="Figueroa, Santiago" userId="d8972bd6-bd1a-458c-b039-fd640ebf3566" providerId="ADAL" clId="{1B676E78-0188-4DD7-9B5A-5DDB533FDE33}" dt="2022-12-10T10:18:39.875" v="177" actId="164"/>
+          <ac:cxnSpMkLst>
+            <pc:docMk/>
+            <pc:sldMk cId="2997687765" sldId="258"/>
+            <ac:cxnSpMk id="61" creationId="{5471A100-A8FE-B8A9-4FF2-026B8348F8C3}"/>
+          </ac:cxnSpMkLst>
+        </pc:cxnChg>
+        <pc:cxnChg chg="mod topLvl">
+          <ac:chgData name="Figueroa, Santiago" userId="d8972bd6-bd1a-458c-b039-fd640ebf3566" providerId="ADAL" clId="{1B676E78-0188-4DD7-9B5A-5DDB533FDE33}" dt="2022-12-10T10:18:39.875" v="177" actId="164"/>
+          <ac:cxnSpMkLst>
+            <pc:docMk/>
+            <pc:sldMk cId="2997687765" sldId="258"/>
+            <ac:cxnSpMk id="66" creationId="{7E0A451A-728B-A344-FDEC-C1864A366D09}"/>
+          </ac:cxnSpMkLst>
+        </pc:cxnChg>
+        <pc:cxnChg chg="mod topLvl">
+          <ac:chgData name="Figueroa, Santiago" userId="d8972bd6-bd1a-458c-b039-fd640ebf3566" providerId="ADAL" clId="{1B676E78-0188-4DD7-9B5A-5DDB533FDE33}" dt="2022-12-10T10:18:39.875" v="177" actId="164"/>
+          <ac:cxnSpMkLst>
+            <pc:docMk/>
+            <pc:sldMk cId="2997687765" sldId="258"/>
+            <ac:cxnSpMk id="73" creationId="{7CE41D0E-B776-DABC-1726-E153FD64C73B}"/>
+          </ac:cxnSpMkLst>
+        </pc:cxnChg>
+        <pc:cxnChg chg="mod topLvl">
+          <ac:chgData name="Figueroa, Santiago" userId="d8972bd6-bd1a-458c-b039-fd640ebf3566" providerId="ADAL" clId="{1B676E78-0188-4DD7-9B5A-5DDB533FDE33}" dt="2022-12-10T10:18:39.875" v="177" actId="164"/>
+          <ac:cxnSpMkLst>
+            <pc:docMk/>
+            <pc:sldMk cId="2997687765" sldId="258"/>
+            <ac:cxnSpMk id="76" creationId="{525CC255-E284-4A16-78D7-0A31AEBF7566}"/>
+          </ac:cxnSpMkLst>
+        </pc:cxnChg>
+        <pc:cxnChg chg="mod topLvl">
+          <ac:chgData name="Figueroa, Santiago" userId="d8972bd6-bd1a-458c-b039-fd640ebf3566" providerId="ADAL" clId="{1B676E78-0188-4DD7-9B5A-5DDB533FDE33}" dt="2022-12-10T10:18:39.875" v="177" actId="164"/>
+          <ac:cxnSpMkLst>
+            <pc:docMk/>
+            <pc:sldMk cId="2997687765" sldId="258"/>
+            <ac:cxnSpMk id="79" creationId="{B0C926B9-F4D8-CB23-C421-0E043293EDC7}"/>
+          </ac:cxnSpMkLst>
+        </pc:cxnChg>
+        <pc:cxnChg chg="mod topLvl">
+          <ac:chgData name="Figueroa, Santiago" userId="d8972bd6-bd1a-458c-b039-fd640ebf3566" providerId="ADAL" clId="{1B676E78-0188-4DD7-9B5A-5DDB533FDE33}" dt="2022-12-10T10:18:39.875" v="177" actId="164"/>
+          <ac:cxnSpMkLst>
+            <pc:docMk/>
+            <pc:sldMk cId="2997687765" sldId="258"/>
+            <ac:cxnSpMk id="83" creationId="{2F270F80-18F2-A69B-9922-A737E141C48D}"/>
+          </ac:cxnSpMkLst>
+        </pc:cxnChg>
+        <pc:cxnChg chg="mod topLvl">
+          <ac:chgData name="Figueroa, Santiago" userId="d8972bd6-bd1a-458c-b039-fd640ebf3566" providerId="ADAL" clId="{1B676E78-0188-4DD7-9B5A-5DDB533FDE33}" dt="2022-12-10T10:18:39.875" v="177" actId="164"/>
+          <ac:cxnSpMkLst>
+            <pc:docMk/>
+            <pc:sldMk cId="2997687765" sldId="258"/>
+            <ac:cxnSpMk id="87" creationId="{CDF8659C-C9D4-735A-A96B-4516B6AA5D29}"/>
+          </ac:cxnSpMkLst>
+        </pc:cxnChg>
+        <pc:cxnChg chg="del mod topLvl">
+          <ac:chgData name="Figueroa, Santiago" userId="d8972bd6-bd1a-458c-b039-fd640ebf3566" providerId="ADAL" clId="{1B676E78-0188-4DD7-9B5A-5DDB533FDE33}" dt="2022-12-10T10:15:44.865" v="111" actId="478"/>
+          <ac:cxnSpMkLst>
+            <pc:docMk/>
+            <pc:sldMk cId="2997687765" sldId="258"/>
+            <ac:cxnSpMk id="90" creationId="{5EE65EDF-A640-DF5D-1A40-E0E4B41E2477}"/>
+          </ac:cxnSpMkLst>
+        </pc:cxnChg>
+        <pc:cxnChg chg="del mod topLvl">
+          <ac:chgData name="Figueroa, Santiago" userId="d8972bd6-bd1a-458c-b039-fd640ebf3566" providerId="ADAL" clId="{1B676E78-0188-4DD7-9B5A-5DDB533FDE33}" dt="2022-12-10T10:15:37.494" v="107" actId="478"/>
+          <ac:cxnSpMkLst>
+            <pc:docMk/>
+            <pc:sldMk cId="2997687765" sldId="258"/>
+            <ac:cxnSpMk id="93" creationId="{DD2A88EE-AF08-4AD9-B8DE-60887702B917}"/>
+          </ac:cxnSpMkLst>
+        </pc:cxnChg>
+        <pc:cxnChg chg="del mod topLvl">
+          <ac:chgData name="Figueroa, Santiago" userId="d8972bd6-bd1a-458c-b039-fd640ebf3566" providerId="ADAL" clId="{1B676E78-0188-4DD7-9B5A-5DDB533FDE33}" dt="2022-12-10T10:15:35.514" v="106" actId="478"/>
+          <ac:cxnSpMkLst>
+            <pc:docMk/>
+            <pc:sldMk cId="2997687765" sldId="258"/>
+            <ac:cxnSpMk id="96" creationId="{5C8A1978-A8CA-873B-1543-3EC857537F14}"/>
+          </ac:cxnSpMkLst>
+        </pc:cxnChg>
+        <pc:cxnChg chg="del mod topLvl">
+          <ac:chgData name="Figueroa, Santiago" userId="d8972bd6-bd1a-458c-b039-fd640ebf3566" providerId="ADAL" clId="{1B676E78-0188-4DD7-9B5A-5DDB533FDE33}" dt="2022-12-10T10:15:14.384" v="99" actId="478"/>
+          <ac:cxnSpMkLst>
+            <pc:docMk/>
+            <pc:sldMk cId="2997687765" sldId="258"/>
+            <ac:cxnSpMk id="107" creationId="{ED6E4CA3-916E-DFDB-4DDA-079E44BF0592}"/>
+          </ac:cxnSpMkLst>
+        </pc:cxnChg>
+        <pc:cxnChg chg="del mod topLvl">
+          <ac:chgData name="Figueroa, Santiago" userId="d8972bd6-bd1a-458c-b039-fd640ebf3566" providerId="ADAL" clId="{1B676E78-0188-4DD7-9B5A-5DDB533FDE33}" dt="2022-12-10T10:15:17.758" v="101" actId="478"/>
+          <ac:cxnSpMkLst>
+            <pc:docMk/>
+            <pc:sldMk cId="2997687765" sldId="258"/>
+            <ac:cxnSpMk id="109" creationId="{D24EAE98-D373-E9C9-7B82-57BD500036E9}"/>
+          </ac:cxnSpMkLst>
+        </pc:cxnChg>
+        <pc:cxnChg chg="mod topLvl">
+          <ac:chgData name="Figueroa, Santiago" userId="d8972bd6-bd1a-458c-b039-fd640ebf3566" providerId="ADAL" clId="{1B676E78-0188-4DD7-9B5A-5DDB533FDE33}" dt="2022-12-10T10:18:39.875" v="177" actId="164"/>
+          <ac:cxnSpMkLst>
+            <pc:docMk/>
+            <pc:sldMk cId="2997687765" sldId="258"/>
+            <ac:cxnSpMk id="111" creationId="{973D7E5D-1DBA-FE07-FE62-12F2308F153A}"/>
+          </ac:cxnSpMkLst>
+        </pc:cxnChg>
+        <pc:cxnChg chg="mod topLvl">
+          <ac:chgData name="Figueroa, Santiago" userId="d8972bd6-bd1a-458c-b039-fd640ebf3566" providerId="ADAL" clId="{1B676E78-0188-4DD7-9B5A-5DDB533FDE33}" dt="2022-12-10T10:18:39.875" v="177" actId="164"/>
+          <ac:cxnSpMkLst>
+            <pc:docMk/>
+            <pc:sldMk cId="2997687765" sldId="258"/>
+            <ac:cxnSpMk id="113" creationId="{2D923CC8-8C06-F241-9754-78DEFA0C9152}"/>
+          </ac:cxnSpMkLst>
+        </pc:cxnChg>
+      </pc:sldChg>
+    </pc:docChg>
+  </pc:docChgLst>
+</pc:chgInfo>
 </file>
 
 <file path=ppt/slideLayouts/slideLayout1.xml><?xml version="1.0" encoding="utf-8"?>
@@ -261,7 +987,7 @@
           <a:p>
             <a:fld id="{C4BF8B76-9D71-4E87-AA63-CD2B601E3123}" type="datetimeFigureOut">
               <a:rPr lang="es-ES" smtClean="0"/>
-              <a:t>08/12/2022</a:t>
+              <a:t>10/12/2022</a:t>
             </a:fld>
             <a:endParaRPr lang="es-ES"/>
           </a:p>
@@ -461,7 +1187,7 @@
           <a:p>
             <a:fld id="{C4BF8B76-9D71-4E87-AA63-CD2B601E3123}" type="datetimeFigureOut">
               <a:rPr lang="es-ES" smtClean="0"/>
-              <a:t>08/12/2022</a:t>
+              <a:t>10/12/2022</a:t>
             </a:fld>
             <a:endParaRPr lang="es-ES"/>
           </a:p>
@@ -671,7 +1397,7 @@
           <a:p>
             <a:fld id="{C4BF8B76-9D71-4E87-AA63-CD2B601E3123}" type="datetimeFigureOut">
               <a:rPr lang="es-ES" smtClean="0"/>
-              <a:t>08/12/2022</a:t>
+              <a:t>10/12/2022</a:t>
             </a:fld>
             <a:endParaRPr lang="es-ES"/>
           </a:p>
@@ -871,7 +1597,7 @@
           <a:p>
             <a:fld id="{C4BF8B76-9D71-4E87-AA63-CD2B601E3123}" type="datetimeFigureOut">
               <a:rPr lang="es-ES" smtClean="0"/>
-              <a:t>08/12/2022</a:t>
+              <a:t>10/12/2022</a:t>
             </a:fld>
             <a:endParaRPr lang="es-ES"/>
           </a:p>
@@ -1147,7 +1873,7 @@
           <a:p>
             <a:fld id="{C4BF8B76-9D71-4E87-AA63-CD2B601E3123}" type="datetimeFigureOut">
               <a:rPr lang="es-ES" smtClean="0"/>
-              <a:t>08/12/2022</a:t>
+              <a:t>10/12/2022</a:t>
             </a:fld>
             <a:endParaRPr lang="es-ES"/>
           </a:p>
@@ -1415,7 +2141,7 @@
           <a:p>
             <a:fld id="{C4BF8B76-9D71-4E87-AA63-CD2B601E3123}" type="datetimeFigureOut">
               <a:rPr lang="es-ES" smtClean="0"/>
-              <a:t>08/12/2022</a:t>
+              <a:t>10/12/2022</a:t>
             </a:fld>
             <a:endParaRPr lang="es-ES"/>
           </a:p>
@@ -1830,7 +2556,7 @@
           <a:p>
             <a:fld id="{C4BF8B76-9D71-4E87-AA63-CD2B601E3123}" type="datetimeFigureOut">
               <a:rPr lang="es-ES" smtClean="0"/>
-              <a:t>08/12/2022</a:t>
+              <a:t>10/12/2022</a:t>
             </a:fld>
             <a:endParaRPr lang="es-ES"/>
           </a:p>
@@ -1972,7 +2698,7 @@
           <a:p>
             <a:fld id="{C4BF8B76-9D71-4E87-AA63-CD2B601E3123}" type="datetimeFigureOut">
               <a:rPr lang="es-ES" smtClean="0"/>
-              <a:t>08/12/2022</a:t>
+              <a:t>10/12/2022</a:t>
             </a:fld>
             <a:endParaRPr lang="es-ES"/>
           </a:p>
@@ -2085,7 +2811,7 @@
           <a:p>
             <a:fld id="{C4BF8B76-9D71-4E87-AA63-CD2B601E3123}" type="datetimeFigureOut">
               <a:rPr lang="es-ES" smtClean="0"/>
-              <a:t>08/12/2022</a:t>
+              <a:t>10/12/2022</a:t>
             </a:fld>
             <a:endParaRPr lang="es-ES"/>
           </a:p>
@@ -2398,7 +3124,7 @@
           <a:p>
             <a:fld id="{C4BF8B76-9D71-4E87-AA63-CD2B601E3123}" type="datetimeFigureOut">
               <a:rPr lang="es-ES" smtClean="0"/>
-              <a:t>08/12/2022</a:t>
+              <a:t>10/12/2022</a:t>
             </a:fld>
             <a:endParaRPr lang="es-ES"/>
           </a:p>
@@ -2687,7 +3413,7 @@
           <a:p>
             <a:fld id="{C4BF8B76-9D71-4E87-AA63-CD2B601E3123}" type="datetimeFigureOut">
               <a:rPr lang="es-ES" smtClean="0"/>
-              <a:t>08/12/2022</a:t>
+              <a:t>10/12/2022</a:t>
             </a:fld>
             <a:endParaRPr lang="es-ES"/>
           </a:p>
@@ -2930,7 +3656,7 @@
           <a:p>
             <a:fld id="{C4BF8B76-9D71-4E87-AA63-CD2B601E3123}" type="datetimeFigureOut">
               <a:rPr lang="es-ES" smtClean="0"/>
-              <a:t>08/12/2022</a:t>
+              <a:t>10/12/2022</a:t>
             </a:fld>
             <a:endParaRPr lang="es-ES"/>
           </a:p>
@@ -5609,6 +6335,3177 @@
 </p:sld>
 </file>
 
+<file path=ppt/slides/slide2.xml><?xml version="1.0" encoding="utf-8"?>
+<p:sld xmlns:a="http://schemas.openxmlformats.org/drawingml/2006/main" xmlns:r="http://schemas.openxmlformats.org/officeDocument/2006/relationships" xmlns:p="http://schemas.openxmlformats.org/presentationml/2006/main">
+  <p:cSld>
+    <p:spTree>
+      <p:nvGrpSpPr>
+        <p:cNvPr id="1" name=""/>
+        <p:cNvGrpSpPr/>
+        <p:nvPr/>
+      </p:nvGrpSpPr>
+      <p:grpSpPr>
+        <a:xfrm>
+          <a:off x="0" y="0"/>
+          <a:ext cx="0" cy="0"/>
+          <a:chOff x="0" y="0"/>
+          <a:chExt cx="0" cy="0"/>
+        </a:xfrm>
+      </p:grpSpPr>
+      <p:grpSp>
+        <p:nvGrpSpPr>
+          <p:cNvPr id="4" name="Group 3">
+            <a:extLst>
+              <a:ext uri="{FF2B5EF4-FFF2-40B4-BE49-F238E27FC236}">
+                <a16:creationId xmlns:a16="http://schemas.microsoft.com/office/drawing/2014/main" id="{57340DB1-6D69-A08A-F120-DE029B99D9AD}"/>
+              </a:ext>
+            </a:extLst>
+          </p:cNvPr>
+          <p:cNvGrpSpPr/>
+          <p:nvPr/>
+        </p:nvGrpSpPr>
+        <p:grpSpPr>
+          <a:xfrm>
+            <a:off x="-871298" y="1073451"/>
+            <a:ext cx="15395052" cy="4219553"/>
+            <a:chOff x="420174" y="875488"/>
+            <a:chExt cx="15395052" cy="4219553"/>
+          </a:xfrm>
+        </p:grpSpPr>
+        <p:sp>
+          <p:nvSpPr>
+            <p:cNvPr id="102" name="Rectangle: Rounded Corners 101">
+              <a:extLst>
+                <a:ext uri="{FF2B5EF4-FFF2-40B4-BE49-F238E27FC236}">
+                  <a16:creationId xmlns:a16="http://schemas.microsoft.com/office/drawing/2014/main" id="{FCD7D30F-9AE9-AB92-A46F-F3C1598E67F1}"/>
+                </a:ext>
+              </a:extLst>
+            </p:cNvPr>
+            <p:cNvSpPr/>
+            <p:nvPr/>
+          </p:nvSpPr>
+          <p:spPr>
+            <a:xfrm>
+              <a:off x="14118237" y="875488"/>
+              <a:ext cx="1696989" cy="3813243"/>
+            </a:xfrm>
+            <a:prstGeom prst="roundRect">
+              <a:avLst/>
+            </a:prstGeom>
+            <a:solidFill>
+              <a:schemeClr val="accent2">
+                <a:lumMod val="20000"/>
+                <a:lumOff val="80000"/>
+              </a:schemeClr>
+            </a:solidFill>
+            <a:ln w="28575">
+              <a:solidFill>
+                <a:srgbClr val="41729C"/>
+              </a:solidFill>
+            </a:ln>
+            <a:effectLst>
+              <a:outerShdw blurRad="50800" dist="38100" dir="2700000" algn="tl" rotWithShape="0">
+                <a:prstClr val="black">
+                  <a:alpha val="40000"/>
+                </a:prstClr>
+              </a:outerShdw>
+            </a:effectLst>
+          </p:spPr>
+          <p:style>
+            <a:lnRef idx="2">
+              <a:schemeClr val="accent1">
+                <a:shade val="50000"/>
+              </a:schemeClr>
+            </a:lnRef>
+            <a:fillRef idx="1">
+              <a:schemeClr val="accent1"/>
+            </a:fillRef>
+            <a:effectRef idx="0">
+              <a:schemeClr val="accent1"/>
+            </a:effectRef>
+            <a:fontRef idx="minor">
+              <a:schemeClr val="lt1"/>
+            </a:fontRef>
+          </p:style>
+          <p:txBody>
+            <a:bodyPr rtlCol="0" anchor="ctr"/>
+            <a:lstStyle/>
+            <a:p>
+              <a:pPr algn="ctr"/>
+              <a:endParaRPr lang="es-ES"/>
+            </a:p>
+          </p:txBody>
+        </p:sp>
+        <p:sp>
+          <p:nvSpPr>
+            <p:cNvPr id="101" name="Rectangle: Rounded Corners 100">
+              <a:extLst>
+                <a:ext uri="{FF2B5EF4-FFF2-40B4-BE49-F238E27FC236}">
+                  <a16:creationId xmlns:a16="http://schemas.microsoft.com/office/drawing/2014/main" id="{62F3828C-9A72-D99D-5FA2-65D6E7AF9E59}"/>
+                </a:ext>
+              </a:extLst>
+            </p:cNvPr>
+            <p:cNvSpPr/>
+            <p:nvPr/>
+          </p:nvSpPr>
+          <p:spPr>
+            <a:xfrm>
+              <a:off x="2759112" y="875488"/>
+              <a:ext cx="11145691" cy="3813243"/>
+            </a:xfrm>
+            <a:prstGeom prst="roundRect">
+              <a:avLst/>
+            </a:prstGeom>
+            <a:solidFill>
+              <a:schemeClr val="accent2">
+                <a:lumMod val="20000"/>
+                <a:lumOff val="80000"/>
+              </a:schemeClr>
+            </a:solidFill>
+            <a:ln w="28575">
+              <a:solidFill>
+                <a:srgbClr val="41729C"/>
+              </a:solidFill>
+            </a:ln>
+            <a:effectLst>
+              <a:outerShdw blurRad="50800" dist="38100" dir="2700000" algn="tl" rotWithShape="0">
+                <a:prstClr val="black">
+                  <a:alpha val="40000"/>
+                </a:prstClr>
+              </a:outerShdw>
+            </a:effectLst>
+          </p:spPr>
+          <p:style>
+            <a:lnRef idx="2">
+              <a:schemeClr val="accent1">
+                <a:shade val="50000"/>
+              </a:schemeClr>
+            </a:lnRef>
+            <a:fillRef idx="1">
+              <a:schemeClr val="accent1"/>
+            </a:fillRef>
+            <a:effectRef idx="0">
+              <a:schemeClr val="accent1"/>
+            </a:effectRef>
+            <a:fontRef idx="minor">
+              <a:schemeClr val="lt1"/>
+            </a:fontRef>
+          </p:style>
+          <p:txBody>
+            <a:bodyPr rtlCol="0" anchor="ctr"/>
+            <a:lstStyle/>
+            <a:p>
+              <a:pPr algn="ctr"/>
+              <a:endParaRPr lang="es-ES"/>
+            </a:p>
+          </p:txBody>
+        </p:sp>
+        <p:sp>
+          <p:nvSpPr>
+            <p:cNvPr id="100" name="Rectangle: Rounded Corners 99">
+              <a:extLst>
+                <a:ext uri="{FF2B5EF4-FFF2-40B4-BE49-F238E27FC236}">
+                  <a16:creationId xmlns:a16="http://schemas.microsoft.com/office/drawing/2014/main" id="{9C18C582-62EB-F68C-6A0E-87FD6C8CF4E1}"/>
+                </a:ext>
+              </a:extLst>
+            </p:cNvPr>
+            <p:cNvSpPr/>
+            <p:nvPr/>
+          </p:nvSpPr>
+          <p:spPr>
+            <a:xfrm>
+              <a:off x="688157" y="875489"/>
+              <a:ext cx="1881469" cy="3813242"/>
+            </a:xfrm>
+            <a:prstGeom prst="roundRect">
+              <a:avLst/>
+            </a:prstGeom>
+            <a:solidFill>
+              <a:schemeClr val="accent2">
+                <a:lumMod val="20000"/>
+                <a:lumOff val="80000"/>
+              </a:schemeClr>
+            </a:solidFill>
+            <a:ln w="28575">
+              <a:solidFill>
+                <a:srgbClr val="41729C"/>
+              </a:solidFill>
+            </a:ln>
+            <a:effectLst>
+              <a:outerShdw blurRad="50800" dist="38100" dir="2700000" algn="tl" rotWithShape="0">
+                <a:prstClr val="black">
+                  <a:alpha val="40000"/>
+                </a:prstClr>
+              </a:outerShdw>
+            </a:effectLst>
+          </p:spPr>
+          <p:style>
+            <a:lnRef idx="2">
+              <a:schemeClr val="accent1">
+                <a:shade val="50000"/>
+              </a:schemeClr>
+            </a:lnRef>
+            <a:fillRef idx="1">
+              <a:schemeClr val="accent1"/>
+            </a:fillRef>
+            <a:effectRef idx="0">
+              <a:schemeClr val="accent1"/>
+            </a:effectRef>
+            <a:fontRef idx="minor">
+              <a:schemeClr val="lt1"/>
+            </a:fontRef>
+          </p:style>
+          <p:txBody>
+            <a:bodyPr rtlCol="0" anchor="ctr"/>
+            <a:lstStyle/>
+            <a:p>
+              <a:pPr algn="ctr"/>
+              <a:endParaRPr lang="es-ES"/>
+            </a:p>
+          </p:txBody>
+        </p:sp>
+        <p:sp>
+          <p:nvSpPr>
+            <p:cNvPr id="7" name="Rectangle 6">
+              <a:extLst>
+                <a:ext uri="{FF2B5EF4-FFF2-40B4-BE49-F238E27FC236}">
+                  <a16:creationId xmlns:a16="http://schemas.microsoft.com/office/drawing/2014/main" id="{7F1890F7-D60F-F91A-ED32-8CF0F65DF593}"/>
+                </a:ext>
+              </a:extLst>
+            </p:cNvPr>
+            <p:cNvSpPr/>
+            <p:nvPr/>
+          </p:nvSpPr>
+          <p:spPr>
+            <a:xfrm>
+              <a:off x="3109625" y="1938799"/>
+              <a:ext cx="1080000" cy="1080000"/>
+            </a:xfrm>
+            <a:prstGeom prst="rect">
+              <a:avLst/>
+            </a:prstGeom>
+            <a:solidFill>
+              <a:schemeClr val="accent2"/>
+            </a:solidFill>
+            <a:ln w="28575">
+              <a:solidFill>
+                <a:srgbClr val="41729C"/>
+              </a:solidFill>
+            </a:ln>
+            <a:effectLst>
+              <a:outerShdw blurRad="50800" dist="38100" dir="2700000" algn="tl" rotWithShape="0">
+                <a:prstClr val="black">
+                  <a:alpha val="40000"/>
+                </a:prstClr>
+              </a:outerShdw>
+            </a:effectLst>
+          </p:spPr>
+          <p:style>
+            <a:lnRef idx="2">
+              <a:schemeClr val="accent1">
+                <a:shade val="50000"/>
+              </a:schemeClr>
+            </a:lnRef>
+            <a:fillRef idx="1">
+              <a:schemeClr val="accent1"/>
+            </a:fillRef>
+            <a:effectRef idx="0">
+              <a:schemeClr val="accent1"/>
+            </a:effectRef>
+            <a:fontRef idx="minor">
+              <a:schemeClr val="lt1"/>
+            </a:fontRef>
+          </p:style>
+          <p:txBody>
+            <a:bodyPr rtlCol="0" anchor="ctr"/>
+            <a:lstStyle/>
+            <a:p>
+              <a:pPr algn="ctr"/>
+              <a:r>
+                <a:rPr lang="en-US" sz="1600" b="1" dirty="0">
+                  <a:solidFill>
+                    <a:schemeClr val="tx1"/>
+                  </a:solidFill>
+                </a:rPr>
+                <a:t>MQTT Broker</a:t>
+              </a:r>
+            </a:p>
+          </p:txBody>
+        </p:sp>
+        <p:sp>
+          <p:nvSpPr>
+            <p:cNvPr id="8" name="Rectangle 7">
+              <a:extLst>
+                <a:ext uri="{FF2B5EF4-FFF2-40B4-BE49-F238E27FC236}">
+                  <a16:creationId xmlns:a16="http://schemas.microsoft.com/office/drawing/2014/main" id="{BA7C34E4-9F68-A4D4-B9AE-EE4EBDC13FFC}"/>
+                </a:ext>
+              </a:extLst>
+            </p:cNvPr>
+            <p:cNvSpPr/>
+            <p:nvPr/>
+          </p:nvSpPr>
+          <p:spPr>
+            <a:xfrm>
+              <a:off x="5016000" y="1938799"/>
+              <a:ext cx="1080000" cy="1080000"/>
+            </a:xfrm>
+            <a:prstGeom prst="rect">
+              <a:avLst/>
+            </a:prstGeom>
+            <a:solidFill>
+              <a:srgbClr val="BFBFBF"/>
+            </a:solidFill>
+            <a:ln w="28575">
+              <a:solidFill>
+                <a:srgbClr val="41729C"/>
+              </a:solidFill>
+            </a:ln>
+            <a:effectLst>
+              <a:outerShdw blurRad="50800" dist="38100" dir="2700000" algn="tl" rotWithShape="0">
+                <a:prstClr val="black">
+                  <a:alpha val="40000"/>
+                </a:prstClr>
+              </a:outerShdw>
+            </a:effectLst>
+          </p:spPr>
+          <p:style>
+            <a:lnRef idx="2">
+              <a:schemeClr val="accent1">
+                <a:shade val="50000"/>
+              </a:schemeClr>
+            </a:lnRef>
+            <a:fillRef idx="1">
+              <a:schemeClr val="accent1"/>
+            </a:fillRef>
+            <a:effectRef idx="0">
+              <a:schemeClr val="accent1"/>
+            </a:effectRef>
+            <a:fontRef idx="minor">
+              <a:schemeClr val="lt1"/>
+            </a:fontRef>
+          </p:style>
+          <p:txBody>
+            <a:bodyPr rtlCol="0" anchor="ctr"/>
+            <a:lstStyle/>
+            <a:p>
+              <a:pPr algn="ctr"/>
+              <a:r>
+                <a:rPr lang="en-US" sz="1600" b="1">
+                  <a:solidFill>
+                    <a:schemeClr val="tx1"/>
+                  </a:solidFill>
+                </a:rPr>
+                <a:t>IoT Agent</a:t>
+              </a:r>
+            </a:p>
+            <a:p>
+              <a:pPr algn="ctr"/>
+              <a:r>
+                <a:rPr lang="en-US" sz="1600" b="1">
+                  <a:solidFill>
+                    <a:schemeClr val="tx1"/>
+                  </a:solidFill>
+                </a:rPr>
+                <a:t>JSON</a:t>
+              </a:r>
+            </a:p>
+          </p:txBody>
+        </p:sp>
+        <p:sp>
+          <p:nvSpPr>
+            <p:cNvPr id="9" name="Rectangle 8">
+              <a:extLst>
+                <a:ext uri="{FF2B5EF4-FFF2-40B4-BE49-F238E27FC236}">
+                  <a16:creationId xmlns:a16="http://schemas.microsoft.com/office/drawing/2014/main" id="{7E78680E-1500-E969-13B6-EAB975EAFF89}"/>
+                </a:ext>
+              </a:extLst>
+            </p:cNvPr>
+            <p:cNvSpPr/>
+            <p:nvPr/>
+          </p:nvSpPr>
+          <p:spPr>
+            <a:xfrm>
+              <a:off x="6973371" y="1926931"/>
+              <a:ext cx="1080000" cy="1080000"/>
+            </a:xfrm>
+            <a:prstGeom prst="rect">
+              <a:avLst/>
+            </a:prstGeom>
+            <a:solidFill>
+              <a:srgbClr val="BFBFBF"/>
+            </a:solidFill>
+            <a:ln w="28575">
+              <a:solidFill>
+                <a:srgbClr val="41729C"/>
+              </a:solidFill>
+            </a:ln>
+            <a:effectLst>
+              <a:outerShdw blurRad="50800" dist="38100" dir="2700000" algn="tl" rotWithShape="0">
+                <a:prstClr val="black">
+                  <a:alpha val="40000"/>
+                </a:prstClr>
+              </a:outerShdw>
+            </a:effectLst>
+          </p:spPr>
+          <p:style>
+            <a:lnRef idx="2">
+              <a:schemeClr val="accent1">
+                <a:shade val="50000"/>
+              </a:schemeClr>
+            </a:lnRef>
+            <a:fillRef idx="1">
+              <a:schemeClr val="accent1"/>
+            </a:fillRef>
+            <a:effectRef idx="0">
+              <a:schemeClr val="accent1"/>
+            </a:effectRef>
+            <a:fontRef idx="minor">
+              <a:schemeClr val="lt1"/>
+            </a:fontRef>
+          </p:style>
+          <p:txBody>
+            <a:bodyPr rtlCol="0" anchor="ctr"/>
+            <a:lstStyle/>
+            <a:p>
+              <a:pPr algn="ctr"/>
+              <a:r>
+                <a:rPr lang="en-US" sz="1600" b="1" dirty="0">
+                  <a:solidFill>
+                    <a:schemeClr val="tx1"/>
+                  </a:solidFill>
+                </a:rPr>
+                <a:t>Orion Context Broker</a:t>
+              </a:r>
+            </a:p>
+          </p:txBody>
+        </p:sp>
+        <p:sp>
+          <p:nvSpPr>
+            <p:cNvPr id="10" name="Rectangle 9">
+              <a:extLst>
+                <a:ext uri="{FF2B5EF4-FFF2-40B4-BE49-F238E27FC236}">
+                  <a16:creationId xmlns:a16="http://schemas.microsoft.com/office/drawing/2014/main" id="{EC5F5867-B0B9-6C95-0C42-BA1458D186C1}"/>
+                </a:ext>
+              </a:extLst>
+            </p:cNvPr>
+            <p:cNvSpPr/>
+            <p:nvPr/>
+          </p:nvSpPr>
+          <p:spPr>
+            <a:xfrm>
+              <a:off x="8895070" y="1926931"/>
+              <a:ext cx="1080000" cy="1080000"/>
+            </a:xfrm>
+            <a:prstGeom prst="rect">
+              <a:avLst/>
+            </a:prstGeom>
+            <a:solidFill>
+              <a:srgbClr val="BFBFBF"/>
+            </a:solidFill>
+            <a:ln w="28575">
+              <a:solidFill>
+                <a:srgbClr val="41729C"/>
+              </a:solidFill>
+            </a:ln>
+            <a:effectLst>
+              <a:outerShdw blurRad="50800" dist="38100" dir="2700000" algn="tl" rotWithShape="0">
+                <a:prstClr val="black">
+                  <a:alpha val="40000"/>
+                </a:prstClr>
+              </a:outerShdw>
+            </a:effectLst>
+          </p:spPr>
+          <p:style>
+            <a:lnRef idx="2">
+              <a:schemeClr val="accent1">
+                <a:shade val="50000"/>
+              </a:schemeClr>
+            </a:lnRef>
+            <a:fillRef idx="1">
+              <a:schemeClr val="accent1"/>
+            </a:fillRef>
+            <a:effectRef idx="0">
+              <a:schemeClr val="accent1"/>
+            </a:effectRef>
+            <a:fontRef idx="minor">
+              <a:schemeClr val="lt1"/>
+            </a:fontRef>
+          </p:style>
+          <p:txBody>
+            <a:bodyPr rtlCol="0" anchor="ctr"/>
+            <a:lstStyle/>
+            <a:p>
+              <a:pPr algn="ctr"/>
+              <a:r>
+                <a:rPr lang="en-US" sz="1600" b="1">
+                  <a:solidFill>
+                    <a:schemeClr val="tx1"/>
+                  </a:solidFill>
+                </a:rPr>
+                <a:t>Quantum Leap</a:t>
+              </a:r>
+            </a:p>
+          </p:txBody>
+        </p:sp>
+        <p:sp>
+          <p:nvSpPr>
+            <p:cNvPr id="11" name="Cylinder 10">
+              <a:extLst>
+                <a:ext uri="{FF2B5EF4-FFF2-40B4-BE49-F238E27FC236}">
+                  <a16:creationId xmlns:a16="http://schemas.microsoft.com/office/drawing/2014/main" id="{6C11FAC8-B37C-3F7C-095E-829E6F84DD17}"/>
+                </a:ext>
+              </a:extLst>
+            </p:cNvPr>
+            <p:cNvSpPr/>
+            <p:nvPr/>
+          </p:nvSpPr>
+          <p:spPr>
+            <a:xfrm>
+              <a:off x="10777305" y="1927041"/>
+              <a:ext cx="882000" cy="1080000"/>
+            </a:xfrm>
+            <a:prstGeom prst="can">
+              <a:avLst/>
+            </a:prstGeom>
+            <a:solidFill>
+              <a:srgbClr val="BFBFBF"/>
+            </a:solidFill>
+            <a:ln w="28575">
+              <a:solidFill>
+                <a:srgbClr val="41729C"/>
+              </a:solidFill>
+            </a:ln>
+            <a:effectLst>
+              <a:outerShdw blurRad="50800" dist="38100" dir="2700000" algn="tl" rotWithShape="0">
+                <a:prstClr val="black">
+                  <a:alpha val="40000"/>
+                </a:prstClr>
+              </a:outerShdw>
+            </a:effectLst>
+          </p:spPr>
+          <p:style>
+            <a:lnRef idx="2">
+              <a:schemeClr val="accent1">
+                <a:shade val="50000"/>
+              </a:schemeClr>
+            </a:lnRef>
+            <a:fillRef idx="1">
+              <a:schemeClr val="accent1"/>
+            </a:fillRef>
+            <a:effectRef idx="0">
+              <a:schemeClr val="accent1"/>
+            </a:effectRef>
+            <a:fontRef idx="minor">
+              <a:schemeClr val="lt1"/>
+            </a:fontRef>
+          </p:style>
+          <p:txBody>
+            <a:bodyPr rtlCol="0" anchor="ctr"/>
+            <a:lstStyle/>
+            <a:p>
+              <a:pPr algn="ctr"/>
+              <a:r>
+                <a:rPr lang="en-US" sz="1600" b="1">
+                  <a:solidFill>
+                    <a:schemeClr val="tx1"/>
+                  </a:solidFill>
+                </a:rPr>
+                <a:t>Crate</a:t>
+              </a:r>
+            </a:p>
+            <a:p>
+              <a:pPr algn="ctr"/>
+              <a:r>
+                <a:rPr lang="en-US" sz="1600" b="1">
+                  <a:solidFill>
+                    <a:schemeClr val="tx1"/>
+                  </a:solidFill>
+                </a:rPr>
+                <a:t>DB</a:t>
+              </a:r>
+            </a:p>
+          </p:txBody>
+        </p:sp>
+        <p:sp>
+          <p:nvSpPr>
+            <p:cNvPr id="12" name="Rectangle 11">
+              <a:extLst>
+                <a:ext uri="{FF2B5EF4-FFF2-40B4-BE49-F238E27FC236}">
+                  <a16:creationId xmlns:a16="http://schemas.microsoft.com/office/drawing/2014/main" id="{CDB2C631-C92F-7587-BC56-F79E9CACE435}"/>
+                </a:ext>
+              </a:extLst>
+            </p:cNvPr>
+            <p:cNvSpPr/>
+            <p:nvPr/>
+          </p:nvSpPr>
+          <p:spPr>
+            <a:xfrm>
+              <a:off x="12473058" y="1926931"/>
+              <a:ext cx="1080000" cy="1080000"/>
+            </a:xfrm>
+            <a:prstGeom prst="rect">
+              <a:avLst/>
+            </a:prstGeom>
+            <a:solidFill>
+              <a:srgbClr val="BFBFBF"/>
+            </a:solidFill>
+            <a:ln w="28575">
+              <a:solidFill>
+                <a:srgbClr val="41729C"/>
+              </a:solidFill>
+            </a:ln>
+            <a:effectLst>
+              <a:outerShdw blurRad="50800" dist="38100" dir="2700000" algn="tl" rotWithShape="0">
+                <a:prstClr val="black">
+                  <a:alpha val="40000"/>
+                </a:prstClr>
+              </a:outerShdw>
+            </a:effectLst>
+          </p:spPr>
+          <p:style>
+            <a:lnRef idx="2">
+              <a:schemeClr val="accent1">
+                <a:shade val="50000"/>
+              </a:schemeClr>
+            </a:lnRef>
+            <a:fillRef idx="1">
+              <a:schemeClr val="accent1"/>
+            </a:fillRef>
+            <a:effectRef idx="0">
+              <a:schemeClr val="accent1"/>
+            </a:effectRef>
+            <a:fontRef idx="minor">
+              <a:schemeClr val="lt1"/>
+            </a:fontRef>
+          </p:style>
+          <p:txBody>
+            <a:bodyPr rtlCol="0" anchor="ctr"/>
+            <a:lstStyle/>
+            <a:p>
+              <a:pPr algn="ctr"/>
+              <a:r>
+                <a:rPr lang="en-US" sz="1600" b="1">
+                  <a:solidFill>
+                    <a:schemeClr val="tx1"/>
+                  </a:solidFill>
+                </a:rPr>
+                <a:t>API CrateDB</a:t>
+              </a:r>
+            </a:p>
+          </p:txBody>
+        </p:sp>
+        <p:sp>
+          <p:nvSpPr>
+            <p:cNvPr id="23" name="Cylinder 22">
+              <a:extLst>
+                <a:ext uri="{FF2B5EF4-FFF2-40B4-BE49-F238E27FC236}">
+                  <a16:creationId xmlns:a16="http://schemas.microsoft.com/office/drawing/2014/main" id="{4B2DB42F-D786-710F-2DED-17E36A85D8A8}"/>
+                </a:ext>
+              </a:extLst>
+            </p:cNvPr>
+            <p:cNvSpPr/>
+            <p:nvPr/>
+          </p:nvSpPr>
+          <p:spPr>
+            <a:xfrm>
+              <a:off x="6096000" y="3154587"/>
+              <a:ext cx="882000" cy="1080000"/>
+            </a:xfrm>
+            <a:prstGeom prst="can">
+              <a:avLst/>
+            </a:prstGeom>
+            <a:solidFill>
+              <a:srgbClr val="BFBFBF"/>
+            </a:solidFill>
+            <a:ln w="28575">
+              <a:solidFill>
+                <a:srgbClr val="41729C"/>
+              </a:solidFill>
+            </a:ln>
+            <a:effectLst>
+              <a:outerShdw blurRad="50800" dist="38100" dir="2700000" algn="tl" rotWithShape="0">
+                <a:prstClr val="black">
+                  <a:alpha val="40000"/>
+                </a:prstClr>
+              </a:outerShdw>
+            </a:effectLst>
+          </p:spPr>
+          <p:style>
+            <a:lnRef idx="2">
+              <a:schemeClr val="accent1">
+                <a:shade val="50000"/>
+              </a:schemeClr>
+            </a:lnRef>
+            <a:fillRef idx="1">
+              <a:schemeClr val="accent1"/>
+            </a:fillRef>
+            <a:effectRef idx="0">
+              <a:schemeClr val="accent1"/>
+            </a:effectRef>
+            <a:fontRef idx="minor">
+              <a:schemeClr val="lt1"/>
+            </a:fontRef>
+          </p:style>
+          <p:txBody>
+            <a:bodyPr rtlCol="0" anchor="ctr"/>
+            <a:lstStyle/>
+            <a:p>
+              <a:pPr algn="ctr"/>
+              <a:r>
+                <a:rPr lang="es-ES" sz="1600" b="1" dirty="0">
+                  <a:solidFill>
+                    <a:schemeClr val="tx1"/>
+                  </a:solidFill>
+                </a:rPr>
+                <a:t>Mongo</a:t>
+              </a:r>
+            </a:p>
+            <a:p>
+              <a:pPr algn="ctr"/>
+              <a:r>
+                <a:rPr lang="es-ES" sz="1600" b="1" dirty="0">
+                  <a:solidFill>
+                    <a:schemeClr val="tx1"/>
+                  </a:solidFill>
+                </a:rPr>
+                <a:t>DB</a:t>
+              </a:r>
+            </a:p>
+          </p:txBody>
+        </p:sp>
+        <p:sp>
+          <p:nvSpPr>
+            <p:cNvPr id="26" name="Rectangle 25">
+              <a:extLst>
+                <a:ext uri="{FF2B5EF4-FFF2-40B4-BE49-F238E27FC236}">
+                  <a16:creationId xmlns:a16="http://schemas.microsoft.com/office/drawing/2014/main" id="{228F0D9A-1550-A26E-E57A-AC8257E66118}"/>
+                </a:ext>
+              </a:extLst>
+            </p:cNvPr>
+            <p:cNvSpPr/>
+            <p:nvPr/>
+          </p:nvSpPr>
+          <p:spPr>
+            <a:xfrm>
+              <a:off x="12474293" y="3158055"/>
+              <a:ext cx="1080000" cy="1080000"/>
+            </a:xfrm>
+            <a:prstGeom prst="rect">
+              <a:avLst/>
+            </a:prstGeom>
+            <a:solidFill>
+              <a:srgbClr val="BFBFBF"/>
+            </a:solidFill>
+            <a:ln w="28575">
+              <a:solidFill>
+                <a:srgbClr val="41729C"/>
+              </a:solidFill>
+            </a:ln>
+            <a:effectLst>
+              <a:outerShdw blurRad="50800" dist="38100" dir="2700000" algn="tl" rotWithShape="0">
+                <a:prstClr val="black">
+                  <a:alpha val="40000"/>
+                </a:prstClr>
+              </a:outerShdw>
+            </a:effectLst>
+          </p:spPr>
+          <p:style>
+            <a:lnRef idx="2">
+              <a:schemeClr val="accent1">
+                <a:shade val="50000"/>
+              </a:schemeClr>
+            </a:lnRef>
+            <a:fillRef idx="1">
+              <a:schemeClr val="accent1"/>
+            </a:fillRef>
+            <a:effectRef idx="0">
+              <a:schemeClr val="accent1"/>
+            </a:effectRef>
+            <a:fontRef idx="minor">
+              <a:schemeClr val="lt1"/>
+            </a:fontRef>
+          </p:style>
+          <p:txBody>
+            <a:bodyPr rtlCol="0" anchor="ctr"/>
+            <a:lstStyle/>
+            <a:p>
+              <a:pPr algn="ctr"/>
+              <a:r>
+                <a:rPr lang="en-US" sz="1600" b="1">
+                  <a:solidFill>
+                    <a:schemeClr val="tx1"/>
+                  </a:solidFill>
+                </a:rPr>
+                <a:t>API ORION</a:t>
+              </a:r>
+            </a:p>
+          </p:txBody>
+        </p:sp>
+        <p:sp>
+          <p:nvSpPr>
+            <p:cNvPr id="32" name="Rectangle 31">
+              <a:extLst>
+                <a:ext uri="{FF2B5EF4-FFF2-40B4-BE49-F238E27FC236}">
+                  <a16:creationId xmlns:a16="http://schemas.microsoft.com/office/drawing/2014/main" id="{D8F67498-7439-DCCD-FE51-C1744468F6EB}"/>
+                </a:ext>
+              </a:extLst>
+            </p:cNvPr>
+            <p:cNvSpPr/>
+            <p:nvPr/>
+          </p:nvSpPr>
+          <p:spPr>
+            <a:xfrm>
+              <a:off x="925692" y="1939631"/>
+              <a:ext cx="1316417" cy="1080000"/>
+            </a:xfrm>
+            <a:prstGeom prst="rect">
+              <a:avLst/>
+            </a:prstGeom>
+            <a:solidFill>
+              <a:schemeClr val="accent2"/>
+            </a:solidFill>
+            <a:ln w="28575">
+              <a:solidFill>
+                <a:srgbClr val="41729C"/>
+              </a:solidFill>
+            </a:ln>
+            <a:effectLst>
+              <a:outerShdw blurRad="50800" dist="38100" dir="2700000" algn="tl" rotWithShape="0">
+                <a:prstClr val="black">
+                  <a:alpha val="40000"/>
+                </a:prstClr>
+              </a:outerShdw>
+            </a:effectLst>
+          </p:spPr>
+          <p:style>
+            <a:lnRef idx="2">
+              <a:schemeClr val="accent1">
+                <a:shade val="50000"/>
+              </a:schemeClr>
+            </a:lnRef>
+            <a:fillRef idx="1">
+              <a:schemeClr val="accent1"/>
+            </a:fillRef>
+            <a:effectRef idx="0">
+              <a:schemeClr val="accent1"/>
+            </a:effectRef>
+            <a:fontRef idx="minor">
+              <a:schemeClr val="lt1"/>
+            </a:fontRef>
+          </p:style>
+          <p:txBody>
+            <a:bodyPr rtlCol="0" anchor="ctr"/>
+            <a:lstStyle/>
+            <a:p>
+              <a:pPr algn="ctr"/>
+              <a:r>
+                <a:rPr lang="en-US" sz="1600" b="1" dirty="0">
+                  <a:solidFill>
+                    <a:schemeClr val="tx1"/>
+                  </a:solidFill>
+                </a:rPr>
+                <a:t>go-</a:t>
+              </a:r>
+              <a:r>
+                <a:rPr lang="en-US" sz="1600" b="1" dirty="0" err="1">
+                  <a:solidFill>
+                    <a:schemeClr val="tx1"/>
+                  </a:solidFill>
+                </a:rPr>
+                <a:t>mqtt</a:t>
+              </a:r>
+              <a:r>
+                <a:rPr lang="en-US" sz="1600" b="1" dirty="0">
+                  <a:solidFill>
+                    <a:schemeClr val="tx1"/>
+                  </a:solidFill>
+                </a:rPr>
+                <a:t>-bm Tool</a:t>
+              </a:r>
+            </a:p>
+          </p:txBody>
+        </p:sp>
+        <p:sp>
+          <p:nvSpPr>
+            <p:cNvPr id="39" name="Rectangle 38">
+              <a:extLst>
+                <a:ext uri="{FF2B5EF4-FFF2-40B4-BE49-F238E27FC236}">
+                  <a16:creationId xmlns:a16="http://schemas.microsoft.com/office/drawing/2014/main" id="{338AA267-7D93-59B7-4B13-3837B35A3B09}"/>
+                </a:ext>
+              </a:extLst>
+            </p:cNvPr>
+            <p:cNvSpPr/>
+            <p:nvPr/>
+          </p:nvSpPr>
+          <p:spPr>
+            <a:xfrm>
+              <a:off x="14448667" y="2502331"/>
+              <a:ext cx="1080000" cy="1085480"/>
+            </a:xfrm>
+            <a:prstGeom prst="rect">
+              <a:avLst/>
+            </a:prstGeom>
+            <a:solidFill>
+              <a:srgbClr val="BFBFBF"/>
+            </a:solidFill>
+            <a:ln w="28575">
+              <a:solidFill>
+                <a:srgbClr val="41729C"/>
+              </a:solidFill>
+            </a:ln>
+            <a:effectLst>
+              <a:outerShdw blurRad="50800" dist="38100" dir="2700000" algn="tl" rotWithShape="0">
+                <a:prstClr val="black">
+                  <a:alpha val="40000"/>
+                </a:prstClr>
+              </a:outerShdw>
+            </a:effectLst>
+          </p:spPr>
+          <p:style>
+            <a:lnRef idx="2">
+              <a:schemeClr val="accent1">
+                <a:shade val="50000"/>
+              </a:schemeClr>
+            </a:lnRef>
+            <a:fillRef idx="1">
+              <a:schemeClr val="accent1"/>
+            </a:fillRef>
+            <a:effectRef idx="0">
+              <a:schemeClr val="accent1"/>
+            </a:effectRef>
+            <a:fontRef idx="minor">
+              <a:schemeClr val="lt1"/>
+            </a:fontRef>
+          </p:style>
+          <p:txBody>
+            <a:bodyPr rtlCol="0" anchor="ctr"/>
+            <a:lstStyle/>
+            <a:p>
+              <a:pPr algn="ctr"/>
+              <a:r>
+                <a:rPr lang="en-US" sz="1600" b="1" dirty="0">
+                  <a:solidFill>
+                    <a:schemeClr val="tx1"/>
+                  </a:solidFill>
+                </a:rPr>
+                <a:t>Swagger</a:t>
+              </a:r>
+            </a:p>
+          </p:txBody>
+        </p:sp>
+        <p:cxnSp>
+          <p:nvCxnSpPr>
+            <p:cNvPr id="57" name="Straight Arrow Connector 56">
+              <a:extLst>
+                <a:ext uri="{FF2B5EF4-FFF2-40B4-BE49-F238E27FC236}">
+                  <a16:creationId xmlns:a16="http://schemas.microsoft.com/office/drawing/2014/main" id="{1D548B01-AF1C-FF0B-1F31-38C127036155}"/>
+                </a:ext>
+              </a:extLst>
+            </p:cNvPr>
+            <p:cNvCxnSpPr>
+              <a:cxnSpLocks/>
+              <a:stCxn id="32" idx="3"/>
+              <a:endCxn id="7" idx="1"/>
+            </p:cNvCxnSpPr>
+            <p:nvPr/>
+          </p:nvCxnSpPr>
+          <p:spPr>
+            <a:xfrm flipV="1">
+              <a:off x="2242109" y="2478799"/>
+              <a:ext cx="867516" cy="832"/>
+            </a:xfrm>
+            <a:prstGeom prst="straightConnector1">
+              <a:avLst/>
+            </a:prstGeom>
+            <a:ln w="76200">
+              <a:solidFill>
+                <a:srgbClr val="C00000"/>
+              </a:solidFill>
+              <a:headEnd type="triangle"/>
+              <a:tailEnd type="triangle"/>
+            </a:ln>
+          </p:spPr>
+          <p:style>
+            <a:lnRef idx="1">
+              <a:schemeClr val="accent1"/>
+            </a:lnRef>
+            <a:fillRef idx="0">
+              <a:schemeClr val="accent1"/>
+            </a:fillRef>
+            <a:effectRef idx="0">
+              <a:schemeClr val="accent1"/>
+            </a:effectRef>
+            <a:fontRef idx="minor">
+              <a:schemeClr val="tx1"/>
+            </a:fontRef>
+          </p:style>
+        </p:cxnSp>
+        <p:cxnSp>
+          <p:nvCxnSpPr>
+            <p:cNvPr id="61" name="Straight Arrow Connector 60">
+              <a:extLst>
+                <a:ext uri="{FF2B5EF4-FFF2-40B4-BE49-F238E27FC236}">
+                  <a16:creationId xmlns:a16="http://schemas.microsoft.com/office/drawing/2014/main" id="{5471A100-A8FE-B8A9-4FF2-026B8348F8C3}"/>
+                </a:ext>
+              </a:extLst>
+            </p:cNvPr>
+            <p:cNvCxnSpPr>
+              <a:cxnSpLocks/>
+              <a:stCxn id="7" idx="3"/>
+              <a:endCxn id="8" idx="1"/>
+            </p:cNvCxnSpPr>
+            <p:nvPr/>
+          </p:nvCxnSpPr>
+          <p:spPr>
+            <a:xfrm>
+              <a:off x="4189625" y="2478799"/>
+              <a:ext cx="826375" cy="0"/>
+            </a:xfrm>
+            <a:prstGeom prst="straightConnector1">
+              <a:avLst/>
+            </a:prstGeom>
+            <a:ln w="76200">
+              <a:solidFill>
+                <a:schemeClr val="accent5">
+                  <a:lumMod val="75000"/>
+                </a:schemeClr>
+              </a:solidFill>
+              <a:headEnd type="triangle"/>
+              <a:tailEnd type="triangle"/>
+            </a:ln>
+          </p:spPr>
+          <p:style>
+            <a:lnRef idx="1">
+              <a:schemeClr val="accent1"/>
+            </a:lnRef>
+            <a:fillRef idx="0">
+              <a:schemeClr val="accent1"/>
+            </a:fillRef>
+            <a:effectRef idx="0">
+              <a:schemeClr val="accent1"/>
+            </a:effectRef>
+            <a:fontRef idx="minor">
+              <a:schemeClr val="tx1"/>
+            </a:fontRef>
+          </p:style>
+        </p:cxnSp>
+        <p:cxnSp>
+          <p:nvCxnSpPr>
+            <p:cNvPr id="66" name="Straight Arrow Connector 65">
+              <a:extLst>
+                <a:ext uri="{FF2B5EF4-FFF2-40B4-BE49-F238E27FC236}">
+                  <a16:creationId xmlns:a16="http://schemas.microsoft.com/office/drawing/2014/main" id="{7E0A451A-728B-A344-FDEC-C1864A366D09}"/>
+                </a:ext>
+              </a:extLst>
+            </p:cNvPr>
+            <p:cNvCxnSpPr>
+              <a:cxnSpLocks/>
+              <a:stCxn id="8" idx="3"/>
+              <a:endCxn id="9" idx="1"/>
+            </p:cNvCxnSpPr>
+            <p:nvPr/>
+          </p:nvCxnSpPr>
+          <p:spPr>
+            <a:xfrm flipV="1">
+              <a:off x="6096000" y="2466931"/>
+              <a:ext cx="877371" cy="11868"/>
+            </a:xfrm>
+            <a:prstGeom prst="straightConnector1">
+              <a:avLst/>
+            </a:prstGeom>
+            <a:ln w="76200">
+              <a:solidFill>
+                <a:schemeClr val="accent5">
+                  <a:lumMod val="75000"/>
+                </a:schemeClr>
+              </a:solidFill>
+              <a:headEnd type="triangle"/>
+              <a:tailEnd type="triangle"/>
+            </a:ln>
+          </p:spPr>
+          <p:style>
+            <a:lnRef idx="1">
+              <a:schemeClr val="accent1"/>
+            </a:lnRef>
+            <a:fillRef idx="0">
+              <a:schemeClr val="accent1"/>
+            </a:fillRef>
+            <a:effectRef idx="0">
+              <a:schemeClr val="accent1"/>
+            </a:effectRef>
+            <a:fontRef idx="minor">
+              <a:schemeClr val="tx1"/>
+            </a:fontRef>
+          </p:style>
+        </p:cxnSp>
+        <p:cxnSp>
+          <p:nvCxnSpPr>
+            <p:cNvPr id="73" name="Connector: Elbow 72">
+              <a:extLst>
+                <a:ext uri="{FF2B5EF4-FFF2-40B4-BE49-F238E27FC236}">
+                  <a16:creationId xmlns:a16="http://schemas.microsoft.com/office/drawing/2014/main" id="{7CE41D0E-B776-DABC-1726-E153FD64C73B}"/>
+                </a:ext>
+              </a:extLst>
+            </p:cNvPr>
+            <p:cNvCxnSpPr>
+              <a:stCxn id="8" idx="2"/>
+              <a:endCxn id="23" idx="2"/>
+            </p:cNvCxnSpPr>
+            <p:nvPr/>
+          </p:nvCxnSpPr>
+          <p:spPr>
+            <a:xfrm rot="16200000" flipH="1">
+              <a:off x="5488106" y="3086693"/>
+              <a:ext cx="675788" cy="540000"/>
+            </a:xfrm>
+            <a:prstGeom prst="bentConnector2">
+              <a:avLst/>
+            </a:prstGeom>
+            <a:ln w="76200">
+              <a:headEnd type="triangle"/>
+              <a:tailEnd type="triangle"/>
+            </a:ln>
+          </p:spPr>
+          <p:style>
+            <a:lnRef idx="1">
+              <a:schemeClr val="accent1"/>
+            </a:lnRef>
+            <a:fillRef idx="0">
+              <a:schemeClr val="accent1"/>
+            </a:fillRef>
+            <a:effectRef idx="0">
+              <a:schemeClr val="accent1"/>
+            </a:effectRef>
+            <a:fontRef idx="minor">
+              <a:schemeClr val="tx1"/>
+            </a:fontRef>
+          </p:style>
+        </p:cxnSp>
+        <p:cxnSp>
+          <p:nvCxnSpPr>
+            <p:cNvPr id="76" name="Connector: Elbow 75">
+              <a:extLst>
+                <a:ext uri="{FF2B5EF4-FFF2-40B4-BE49-F238E27FC236}">
+                  <a16:creationId xmlns:a16="http://schemas.microsoft.com/office/drawing/2014/main" id="{525CC255-E284-4A16-78D7-0A31AEBF7566}"/>
+                </a:ext>
+              </a:extLst>
+            </p:cNvPr>
+            <p:cNvCxnSpPr>
+              <a:cxnSpLocks/>
+              <a:stCxn id="9" idx="2"/>
+              <a:endCxn id="23" idx="4"/>
+            </p:cNvCxnSpPr>
+            <p:nvPr/>
+          </p:nvCxnSpPr>
+          <p:spPr>
+            <a:xfrm rot="5400000">
+              <a:off x="6901858" y="3083074"/>
+              <a:ext cx="687656" cy="535371"/>
+            </a:xfrm>
+            <a:prstGeom prst="bentConnector2">
+              <a:avLst/>
+            </a:prstGeom>
+            <a:ln w="76200">
+              <a:headEnd type="triangle"/>
+              <a:tailEnd type="triangle"/>
+            </a:ln>
+          </p:spPr>
+          <p:style>
+            <a:lnRef idx="1">
+              <a:schemeClr val="accent1"/>
+            </a:lnRef>
+            <a:fillRef idx="0">
+              <a:schemeClr val="accent1"/>
+            </a:fillRef>
+            <a:effectRef idx="0">
+              <a:schemeClr val="accent1"/>
+            </a:effectRef>
+            <a:fontRef idx="minor">
+              <a:schemeClr val="tx1"/>
+            </a:fontRef>
+          </p:style>
+        </p:cxnSp>
+        <p:cxnSp>
+          <p:nvCxnSpPr>
+            <p:cNvPr id="79" name="Straight Arrow Connector 78">
+              <a:extLst>
+                <a:ext uri="{FF2B5EF4-FFF2-40B4-BE49-F238E27FC236}">
+                  <a16:creationId xmlns:a16="http://schemas.microsoft.com/office/drawing/2014/main" id="{B0C926B9-F4D8-CB23-C421-0E043293EDC7}"/>
+                </a:ext>
+              </a:extLst>
+            </p:cNvPr>
+            <p:cNvCxnSpPr>
+              <a:cxnSpLocks/>
+              <a:stCxn id="9" idx="3"/>
+              <a:endCxn id="10" idx="1"/>
+            </p:cNvCxnSpPr>
+            <p:nvPr/>
+          </p:nvCxnSpPr>
+          <p:spPr>
+            <a:xfrm>
+              <a:off x="8053371" y="2466931"/>
+              <a:ext cx="841699" cy="0"/>
+            </a:xfrm>
+            <a:prstGeom prst="straightConnector1">
+              <a:avLst/>
+            </a:prstGeom>
+            <a:ln w="76200">
+              <a:solidFill>
+                <a:schemeClr val="accent5">
+                  <a:lumMod val="75000"/>
+                </a:schemeClr>
+              </a:solidFill>
+              <a:headEnd type="triangle"/>
+              <a:tailEnd type="triangle"/>
+            </a:ln>
+          </p:spPr>
+          <p:style>
+            <a:lnRef idx="1">
+              <a:schemeClr val="accent1"/>
+            </a:lnRef>
+            <a:fillRef idx="0">
+              <a:schemeClr val="accent1"/>
+            </a:fillRef>
+            <a:effectRef idx="0">
+              <a:schemeClr val="accent1"/>
+            </a:effectRef>
+            <a:fontRef idx="minor">
+              <a:schemeClr val="tx1"/>
+            </a:fontRef>
+          </p:style>
+        </p:cxnSp>
+        <p:cxnSp>
+          <p:nvCxnSpPr>
+            <p:cNvPr id="83" name="Straight Arrow Connector 82">
+              <a:extLst>
+                <a:ext uri="{FF2B5EF4-FFF2-40B4-BE49-F238E27FC236}">
+                  <a16:creationId xmlns:a16="http://schemas.microsoft.com/office/drawing/2014/main" id="{2F270F80-18F2-A69B-9922-A737E141C48D}"/>
+                </a:ext>
+              </a:extLst>
+            </p:cNvPr>
+            <p:cNvCxnSpPr>
+              <a:cxnSpLocks/>
+              <a:stCxn id="10" idx="3"/>
+              <a:endCxn id="11" idx="2"/>
+            </p:cNvCxnSpPr>
+            <p:nvPr/>
+          </p:nvCxnSpPr>
+          <p:spPr>
+            <a:xfrm>
+              <a:off x="9975070" y="2466931"/>
+              <a:ext cx="802235" cy="110"/>
+            </a:xfrm>
+            <a:prstGeom prst="straightConnector1">
+              <a:avLst/>
+            </a:prstGeom>
+            <a:ln w="76200">
+              <a:solidFill>
+                <a:schemeClr val="accent5">
+                  <a:lumMod val="75000"/>
+                </a:schemeClr>
+              </a:solidFill>
+              <a:headEnd type="triangle"/>
+              <a:tailEnd type="triangle"/>
+            </a:ln>
+          </p:spPr>
+          <p:style>
+            <a:lnRef idx="1">
+              <a:schemeClr val="accent1"/>
+            </a:lnRef>
+            <a:fillRef idx="0">
+              <a:schemeClr val="accent1"/>
+            </a:fillRef>
+            <a:effectRef idx="0">
+              <a:schemeClr val="accent1"/>
+            </a:effectRef>
+            <a:fontRef idx="minor">
+              <a:schemeClr val="tx1"/>
+            </a:fontRef>
+          </p:style>
+        </p:cxnSp>
+        <p:cxnSp>
+          <p:nvCxnSpPr>
+            <p:cNvPr id="87" name="Straight Arrow Connector 86">
+              <a:extLst>
+                <a:ext uri="{FF2B5EF4-FFF2-40B4-BE49-F238E27FC236}">
+                  <a16:creationId xmlns:a16="http://schemas.microsoft.com/office/drawing/2014/main" id="{CDF8659C-C9D4-735A-A96B-4516B6AA5D29}"/>
+                </a:ext>
+              </a:extLst>
+            </p:cNvPr>
+            <p:cNvCxnSpPr>
+              <a:cxnSpLocks/>
+              <a:stCxn id="11" idx="4"/>
+              <a:endCxn id="12" idx="1"/>
+            </p:cNvCxnSpPr>
+            <p:nvPr/>
+          </p:nvCxnSpPr>
+          <p:spPr>
+            <a:xfrm flipV="1">
+              <a:off x="11659305" y="2466931"/>
+              <a:ext cx="813753" cy="110"/>
+            </a:xfrm>
+            <a:prstGeom prst="straightConnector1">
+              <a:avLst/>
+            </a:prstGeom>
+            <a:ln w="76200">
+              <a:solidFill>
+                <a:schemeClr val="accent5">
+                  <a:lumMod val="75000"/>
+                </a:schemeClr>
+              </a:solidFill>
+              <a:headEnd type="triangle"/>
+              <a:tailEnd type="triangle"/>
+            </a:ln>
+          </p:spPr>
+          <p:style>
+            <a:lnRef idx="1">
+              <a:schemeClr val="accent1"/>
+            </a:lnRef>
+            <a:fillRef idx="0">
+              <a:schemeClr val="accent1"/>
+            </a:fillRef>
+            <a:effectRef idx="0">
+              <a:schemeClr val="accent1"/>
+            </a:effectRef>
+            <a:fontRef idx="minor">
+              <a:schemeClr val="tx1"/>
+            </a:fontRef>
+          </p:style>
+        </p:cxnSp>
+        <p:cxnSp>
+          <p:nvCxnSpPr>
+            <p:cNvPr id="90" name="Connector: Elbow 89">
+              <a:extLst>
+                <a:ext uri="{FF2B5EF4-FFF2-40B4-BE49-F238E27FC236}">
+                  <a16:creationId xmlns:a16="http://schemas.microsoft.com/office/drawing/2014/main" id="{5EE65EDF-A640-DF5D-1A40-E0E4B41E2477}"/>
+                </a:ext>
+              </a:extLst>
+            </p:cNvPr>
+            <p:cNvCxnSpPr>
+              <a:cxnSpLocks/>
+              <a:stCxn id="26" idx="1"/>
+              <a:endCxn id="9" idx="2"/>
+            </p:cNvCxnSpPr>
+            <p:nvPr/>
+          </p:nvCxnSpPr>
+          <p:spPr>
+            <a:xfrm rot="10800000">
+              <a:off x="7513371" y="3006931"/>
+              <a:ext cx="4960922" cy="691124"/>
+            </a:xfrm>
+            <a:prstGeom prst="bentConnector2">
+              <a:avLst/>
+            </a:prstGeom>
+            <a:ln w="76200">
+              <a:headEnd type="triangle"/>
+              <a:tailEnd type="triangle"/>
+            </a:ln>
+          </p:spPr>
+          <p:style>
+            <a:lnRef idx="1">
+              <a:schemeClr val="accent1"/>
+            </a:lnRef>
+            <a:fillRef idx="0">
+              <a:schemeClr val="accent1"/>
+            </a:fillRef>
+            <a:effectRef idx="0">
+              <a:schemeClr val="accent1"/>
+            </a:effectRef>
+            <a:fontRef idx="minor">
+              <a:schemeClr val="tx1"/>
+            </a:fontRef>
+          </p:style>
+        </p:cxnSp>
+        <p:cxnSp>
+          <p:nvCxnSpPr>
+            <p:cNvPr id="93" name="Connector: Elbow 92">
+              <a:extLst>
+                <a:ext uri="{FF2B5EF4-FFF2-40B4-BE49-F238E27FC236}">
+                  <a16:creationId xmlns:a16="http://schemas.microsoft.com/office/drawing/2014/main" id="{DD2A88EE-AF08-4AD9-B8DE-60887702B917}"/>
+                </a:ext>
+              </a:extLst>
+            </p:cNvPr>
+            <p:cNvCxnSpPr>
+              <a:cxnSpLocks/>
+              <a:stCxn id="39" idx="1"/>
+              <a:endCxn id="12" idx="3"/>
+            </p:cNvCxnSpPr>
+            <p:nvPr/>
+          </p:nvCxnSpPr>
+          <p:spPr>
+            <a:xfrm rot="10800000">
+              <a:off x="13553059" y="2466931"/>
+              <a:ext cx="895609" cy="578140"/>
+            </a:xfrm>
+            <a:prstGeom prst="bentConnector3">
+              <a:avLst>
+                <a:gd name="adj1" fmla="val 50000"/>
+              </a:avLst>
+            </a:prstGeom>
+            <a:ln w="76200">
+              <a:headEnd type="triangle"/>
+              <a:tailEnd type="triangle"/>
+            </a:ln>
+          </p:spPr>
+          <p:style>
+            <a:lnRef idx="1">
+              <a:schemeClr val="accent1"/>
+            </a:lnRef>
+            <a:fillRef idx="0">
+              <a:schemeClr val="accent1"/>
+            </a:fillRef>
+            <a:effectRef idx="0">
+              <a:schemeClr val="accent1"/>
+            </a:effectRef>
+            <a:fontRef idx="minor">
+              <a:schemeClr val="tx1"/>
+            </a:fontRef>
+          </p:style>
+        </p:cxnSp>
+        <p:cxnSp>
+          <p:nvCxnSpPr>
+            <p:cNvPr id="96" name="Connector: Elbow 95">
+              <a:extLst>
+                <a:ext uri="{FF2B5EF4-FFF2-40B4-BE49-F238E27FC236}">
+                  <a16:creationId xmlns:a16="http://schemas.microsoft.com/office/drawing/2014/main" id="{5C8A1978-A8CA-873B-1543-3EC857537F14}"/>
+                </a:ext>
+              </a:extLst>
+            </p:cNvPr>
+            <p:cNvCxnSpPr>
+              <a:cxnSpLocks/>
+              <a:stCxn id="39" idx="1"/>
+              <a:endCxn id="26" idx="3"/>
+            </p:cNvCxnSpPr>
+            <p:nvPr/>
+          </p:nvCxnSpPr>
+          <p:spPr>
+            <a:xfrm rot="10800000" flipV="1">
+              <a:off x="13554293" y="3045071"/>
+              <a:ext cx="894374" cy="652984"/>
+            </a:xfrm>
+            <a:prstGeom prst="bentConnector3">
+              <a:avLst>
+                <a:gd name="adj1" fmla="val 50000"/>
+              </a:avLst>
+            </a:prstGeom>
+            <a:ln w="76200">
+              <a:headEnd type="triangle"/>
+              <a:tailEnd type="triangle"/>
+            </a:ln>
+          </p:spPr>
+          <p:style>
+            <a:lnRef idx="1">
+              <a:schemeClr val="accent1"/>
+            </a:lnRef>
+            <a:fillRef idx="0">
+              <a:schemeClr val="accent1"/>
+            </a:fillRef>
+            <a:effectRef idx="0">
+              <a:schemeClr val="accent1"/>
+            </a:effectRef>
+            <a:fontRef idx="minor">
+              <a:schemeClr val="tx1"/>
+            </a:fontRef>
+          </p:style>
+        </p:cxnSp>
+        <p:sp>
+          <p:nvSpPr>
+            <p:cNvPr id="104" name="TextBox 103">
+              <a:extLst>
+                <a:ext uri="{FF2B5EF4-FFF2-40B4-BE49-F238E27FC236}">
+                  <a16:creationId xmlns:a16="http://schemas.microsoft.com/office/drawing/2014/main" id="{773549F2-A339-7691-AC6E-CA5EA52CF724}"/>
+                </a:ext>
+              </a:extLst>
+            </p:cNvPr>
+            <p:cNvSpPr txBox="1"/>
+            <p:nvPr/>
+          </p:nvSpPr>
+          <p:spPr>
+            <a:xfrm>
+              <a:off x="7850497" y="1031878"/>
+              <a:ext cx="962919" cy="369332"/>
+            </a:xfrm>
+            <a:prstGeom prst="rect">
+              <a:avLst/>
+            </a:prstGeom>
+            <a:noFill/>
+          </p:spPr>
+          <p:txBody>
+            <a:bodyPr wrap="square">
+              <a:spAutoFit/>
+            </a:bodyPr>
+            <a:lstStyle/>
+            <a:p>
+              <a:pPr algn="ctr"/>
+              <a:r>
+                <a:rPr lang="en-US" sz="1800" b="1" dirty="0">
+                  <a:solidFill>
+                    <a:schemeClr val="tx1"/>
+                  </a:solidFill>
+                </a:rPr>
+                <a:t>MEC</a:t>
+              </a:r>
+              <a:endParaRPr lang="es-ES" dirty="0"/>
+            </a:p>
+          </p:txBody>
+        </p:sp>
+        <p:sp>
+          <p:nvSpPr>
+            <p:cNvPr id="105" name="TextBox 104">
+              <a:extLst>
+                <a:ext uri="{FF2B5EF4-FFF2-40B4-BE49-F238E27FC236}">
+                  <a16:creationId xmlns:a16="http://schemas.microsoft.com/office/drawing/2014/main" id="{DED7BFCC-A4E0-B5C1-704C-3EF31141D6A7}"/>
+                </a:ext>
+              </a:extLst>
+            </p:cNvPr>
+            <p:cNvSpPr txBox="1"/>
+            <p:nvPr/>
+          </p:nvSpPr>
+          <p:spPr>
+            <a:xfrm>
+              <a:off x="14118238" y="1031877"/>
+              <a:ext cx="1696988" cy="367754"/>
+            </a:xfrm>
+            <a:prstGeom prst="rect">
+              <a:avLst/>
+            </a:prstGeom>
+            <a:noFill/>
+          </p:spPr>
+          <p:txBody>
+            <a:bodyPr wrap="square">
+              <a:spAutoFit/>
+            </a:bodyPr>
+            <a:lstStyle/>
+            <a:p>
+              <a:pPr algn="ctr"/>
+              <a:r>
+                <a:rPr lang="en-US" sz="1800" b="1" dirty="0">
+                  <a:solidFill>
+                    <a:schemeClr val="tx1"/>
+                  </a:solidFill>
+                </a:rPr>
+                <a:t>CLOUD</a:t>
+              </a:r>
+              <a:endParaRPr lang="es-ES" dirty="0"/>
+            </a:p>
+          </p:txBody>
+        </p:sp>
+        <p:sp>
+          <p:nvSpPr>
+            <p:cNvPr id="106" name="TextBox 105">
+              <a:extLst>
+                <a:ext uri="{FF2B5EF4-FFF2-40B4-BE49-F238E27FC236}">
+                  <a16:creationId xmlns:a16="http://schemas.microsoft.com/office/drawing/2014/main" id="{6B91136B-882E-42A9-4838-74CBB1DDF3AE}"/>
+                </a:ext>
+              </a:extLst>
+            </p:cNvPr>
+            <p:cNvSpPr txBox="1"/>
+            <p:nvPr/>
+          </p:nvSpPr>
+          <p:spPr>
+            <a:xfrm>
+              <a:off x="420174" y="1030299"/>
+              <a:ext cx="2417433" cy="369332"/>
+            </a:xfrm>
+            <a:prstGeom prst="rect">
+              <a:avLst/>
+            </a:prstGeom>
+            <a:noFill/>
+          </p:spPr>
+          <p:txBody>
+            <a:bodyPr wrap="square">
+              <a:spAutoFit/>
+            </a:bodyPr>
+            <a:lstStyle/>
+            <a:p>
+              <a:pPr algn="ctr"/>
+              <a:r>
+                <a:rPr lang="en-US" sz="1800" b="1" dirty="0">
+                  <a:solidFill>
+                    <a:schemeClr val="tx1"/>
+                  </a:solidFill>
+                </a:rPr>
+                <a:t>FIELD DEVICES</a:t>
+              </a:r>
+              <a:endParaRPr lang="es-ES" dirty="0"/>
+            </a:p>
+          </p:txBody>
+        </p:sp>
+        <p:cxnSp>
+          <p:nvCxnSpPr>
+            <p:cNvPr id="111" name="Straight Arrow Connector 110">
+              <a:extLst>
+                <a:ext uri="{FF2B5EF4-FFF2-40B4-BE49-F238E27FC236}">
+                  <a16:creationId xmlns:a16="http://schemas.microsoft.com/office/drawing/2014/main" id="{973D7E5D-1DBA-FE07-FE62-12F2308F153A}"/>
+                </a:ext>
+              </a:extLst>
+            </p:cNvPr>
+            <p:cNvCxnSpPr/>
+            <p:nvPr/>
+          </p:nvCxnSpPr>
+          <p:spPr>
+            <a:xfrm>
+              <a:off x="6652035" y="4910375"/>
+              <a:ext cx="826375" cy="0"/>
+            </a:xfrm>
+            <a:prstGeom prst="straightConnector1">
+              <a:avLst/>
+            </a:prstGeom>
+            <a:ln w="76200">
+              <a:solidFill>
+                <a:srgbClr val="C00000"/>
+              </a:solidFill>
+              <a:headEnd type="triangle"/>
+              <a:tailEnd type="triangle"/>
+            </a:ln>
+          </p:spPr>
+          <p:style>
+            <a:lnRef idx="1">
+              <a:schemeClr val="accent1"/>
+            </a:lnRef>
+            <a:fillRef idx="0">
+              <a:schemeClr val="accent1"/>
+            </a:fillRef>
+            <a:effectRef idx="0">
+              <a:schemeClr val="accent1"/>
+            </a:effectRef>
+            <a:fontRef idx="minor">
+              <a:schemeClr val="tx1"/>
+            </a:fontRef>
+          </p:style>
+        </p:cxnSp>
+        <p:sp>
+          <p:nvSpPr>
+            <p:cNvPr id="112" name="TextBox 111">
+              <a:extLst>
+                <a:ext uri="{FF2B5EF4-FFF2-40B4-BE49-F238E27FC236}">
+                  <a16:creationId xmlns:a16="http://schemas.microsoft.com/office/drawing/2014/main" id="{92B1D987-44C7-FCE8-1D6A-A2E945D65A2D}"/>
+                </a:ext>
+              </a:extLst>
+            </p:cNvPr>
+            <p:cNvSpPr txBox="1"/>
+            <p:nvPr/>
+          </p:nvSpPr>
+          <p:spPr>
+            <a:xfrm>
+              <a:off x="7383757" y="4725709"/>
+              <a:ext cx="962919" cy="369332"/>
+            </a:xfrm>
+            <a:prstGeom prst="rect">
+              <a:avLst/>
+            </a:prstGeom>
+            <a:noFill/>
+          </p:spPr>
+          <p:txBody>
+            <a:bodyPr wrap="square">
+              <a:spAutoFit/>
+            </a:bodyPr>
+            <a:lstStyle/>
+            <a:p>
+              <a:pPr algn="ctr"/>
+              <a:r>
+                <a:rPr lang="en-US" sz="1800" b="1" dirty="0">
+                  <a:solidFill>
+                    <a:schemeClr val="tx1"/>
+                  </a:solidFill>
+                </a:rPr>
+                <a:t>MQTT</a:t>
+              </a:r>
+              <a:endParaRPr lang="es-ES" dirty="0"/>
+            </a:p>
+          </p:txBody>
+        </p:sp>
+        <p:cxnSp>
+          <p:nvCxnSpPr>
+            <p:cNvPr id="113" name="Straight Arrow Connector 112">
+              <a:extLst>
+                <a:ext uri="{FF2B5EF4-FFF2-40B4-BE49-F238E27FC236}">
+                  <a16:creationId xmlns:a16="http://schemas.microsoft.com/office/drawing/2014/main" id="{2D923CC8-8C06-F241-9754-78DEFA0C9152}"/>
+                </a:ext>
+              </a:extLst>
+            </p:cNvPr>
+            <p:cNvCxnSpPr/>
+            <p:nvPr/>
+          </p:nvCxnSpPr>
+          <p:spPr>
+            <a:xfrm>
+              <a:off x="8581303" y="4909876"/>
+              <a:ext cx="826375" cy="0"/>
+            </a:xfrm>
+            <a:prstGeom prst="straightConnector1">
+              <a:avLst/>
+            </a:prstGeom>
+            <a:ln w="76200">
+              <a:solidFill>
+                <a:srgbClr val="41729C"/>
+              </a:solidFill>
+              <a:headEnd type="triangle"/>
+              <a:tailEnd type="triangle"/>
+            </a:ln>
+          </p:spPr>
+          <p:style>
+            <a:lnRef idx="1">
+              <a:schemeClr val="accent1"/>
+            </a:lnRef>
+            <a:fillRef idx="0">
+              <a:schemeClr val="accent1"/>
+            </a:fillRef>
+            <a:effectRef idx="0">
+              <a:schemeClr val="accent1"/>
+            </a:effectRef>
+            <a:fontRef idx="minor">
+              <a:schemeClr val="tx1"/>
+            </a:fontRef>
+          </p:style>
+        </p:cxnSp>
+        <p:sp>
+          <p:nvSpPr>
+            <p:cNvPr id="114" name="TextBox 113">
+              <a:extLst>
+                <a:ext uri="{FF2B5EF4-FFF2-40B4-BE49-F238E27FC236}">
+                  <a16:creationId xmlns:a16="http://schemas.microsoft.com/office/drawing/2014/main" id="{82A76681-CE2D-F6A8-F7EB-AECC3E64BAC6}"/>
+                </a:ext>
+              </a:extLst>
+            </p:cNvPr>
+            <p:cNvSpPr txBox="1"/>
+            <p:nvPr/>
+          </p:nvSpPr>
+          <p:spPr>
+            <a:xfrm>
+              <a:off x="9284550" y="4725210"/>
+              <a:ext cx="962919" cy="369332"/>
+            </a:xfrm>
+            <a:prstGeom prst="rect">
+              <a:avLst/>
+            </a:prstGeom>
+            <a:noFill/>
+          </p:spPr>
+          <p:txBody>
+            <a:bodyPr wrap="square">
+              <a:spAutoFit/>
+            </a:bodyPr>
+            <a:lstStyle/>
+            <a:p>
+              <a:pPr algn="ctr"/>
+              <a:r>
+                <a:rPr lang="en-US" sz="1800" b="1" dirty="0">
+                  <a:solidFill>
+                    <a:schemeClr val="tx1"/>
+                  </a:solidFill>
+                </a:rPr>
+                <a:t>HTTP</a:t>
+              </a:r>
+              <a:endParaRPr lang="es-ES" dirty="0"/>
+            </a:p>
+          </p:txBody>
+        </p:sp>
+      </p:grpSp>
+    </p:spTree>
+    <p:extLst>
+      <p:ext uri="{BB962C8B-B14F-4D97-AF65-F5344CB8AC3E}">
+        <p14:creationId xmlns:p14="http://schemas.microsoft.com/office/powerpoint/2010/main" val="1507640459"/>
+      </p:ext>
+    </p:extLst>
+  </p:cSld>
+  <p:clrMapOvr>
+    <a:masterClrMapping/>
+  </p:clrMapOvr>
+</p:sld>
+</file>
+
+<file path=ppt/slides/slide3.xml><?xml version="1.0" encoding="utf-8"?>
+<p:sld xmlns:a="http://schemas.openxmlformats.org/drawingml/2006/main" xmlns:r="http://schemas.openxmlformats.org/officeDocument/2006/relationships" xmlns:p="http://schemas.openxmlformats.org/presentationml/2006/main">
+  <p:cSld>
+    <p:spTree>
+      <p:nvGrpSpPr>
+        <p:cNvPr id="1" name=""/>
+        <p:cNvGrpSpPr/>
+        <p:nvPr/>
+      </p:nvGrpSpPr>
+      <p:grpSpPr>
+        <a:xfrm>
+          <a:off x="0" y="0"/>
+          <a:ext cx="0" cy="0"/>
+          <a:chOff x="0" y="0"/>
+          <a:chExt cx="0" cy="0"/>
+        </a:xfrm>
+      </p:grpSpPr>
+      <p:grpSp>
+        <p:nvGrpSpPr>
+          <p:cNvPr id="5" name="Group 4">
+            <a:extLst>
+              <a:ext uri="{FF2B5EF4-FFF2-40B4-BE49-F238E27FC236}">
+                <a16:creationId xmlns:a16="http://schemas.microsoft.com/office/drawing/2014/main" id="{5A57E77B-7D32-3F87-84F5-347CF98E3B17}"/>
+              </a:ext>
+            </a:extLst>
+          </p:cNvPr>
+          <p:cNvGrpSpPr/>
+          <p:nvPr/>
+        </p:nvGrpSpPr>
+        <p:grpSpPr>
+          <a:xfrm>
+            <a:off x="-675765" y="800073"/>
+            <a:ext cx="13571900" cy="4219553"/>
+            <a:chOff x="-675765" y="800073"/>
+            <a:chExt cx="13571900" cy="4219553"/>
+          </a:xfrm>
+        </p:grpSpPr>
+        <p:sp>
+          <p:nvSpPr>
+            <p:cNvPr id="101" name="Rectangle: Rounded Corners 100">
+              <a:extLst>
+                <a:ext uri="{FF2B5EF4-FFF2-40B4-BE49-F238E27FC236}">
+                  <a16:creationId xmlns:a16="http://schemas.microsoft.com/office/drawing/2014/main" id="{62F3828C-9A72-D99D-5FA2-65D6E7AF9E59}"/>
+                </a:ext>
+              </a:extLst>
+            </p:cNvPr>
+            <p:cNvSpPr/>
+            <p:nvPr/>
+          </p:nvSpPr>
+          <p:spPr>
+            <a:xfrm>
+              <a:off x="1750444" y="800073"/>
+              <a:ext cx="11145691" cy="3813243"/>
+            </a:xfrm>
+            <a:prstGeom prst="roundRect">
+              <a:avLst/>
+            </a:prstGeom>
+            <a:solidFill>
+              <a:schemeClr val="accent2">
+                <a:lumMod val="20000"/>
+                <a:lumOff val="80000"/>
+              </a:schemeClr>
+            </a:solidFill>
+            <a:ln w="28575">
+              <a:solidFill>
+                <a:srgbClr val="41729C"/>
+              </a:solidFill>
+            </a:ln>
+            <a:effectLst>
+              <a:outerShdw blurRad="50800" dist="38100" dir="2700000" algn="tl" rotWithShape="0">
+                <a:prstClr val="black">
+                  <a:alpha val="40000"/>
+                </a:prstClr>
+              </a:outerShdw>
+            </a:effectLst>
+          </p:spPr>
+          <p:style>
+            <a:lnRef idx="2">
+              <a:schemeClr val="accent1">
+                <a:shade val="50000"/>
+              </a:schemeClr>
+            </a:lnRef>
+            <a:fillRef idx="1">
+              <a:schemeClr val="accent1"/>
+            </a:fillRef>
+            <a:effectRef idx="0">
+              <a:schemeClr val="accent1"/>
+            </a:effectRef>
+            <a:fontRef idx="minor">
+              <a:schemeClr val="lt1"/>
+            </a:fontRef>
+          </p:style>
+          <p:txBody>
+            <a:bodyPr rtlCol="0" anchor="ctr"/>
+            <a:lstStyle/>
+            <a:p>
+              <a:pPr algn="ctr"/>
+              <a:endParaRPr lang="es-ES"/>
+            </a:p>
+          </p:txBody>
+        </p:sp>
+        <p:sp>
+          <p:nvSpPr>
+            <p:cNvPr id="100" name="Rectangle: Rounded Corners 99">
+              <a:extLst>
+                <a:ext uri="{FF2B5EF4-FFF2-40B4-BE49-F238E27FC236}">
+                  <a16:creationId xmlns:a16="http://schemas.microsoft.com/office/drawing/2014/main" id="{9C18C582-62EB-F68C-6A0E-87FD6C8CF4E1}"/>
+                </a:ext>
+              </a:extLst>
+            </p:cNvPr>
+            <p:cNvSpPr/>
+            <p:nvPr/>
+          </p:nvSpPr>
+          <p:spPr>
+            <a:xfrm>
+              <a:off x="-495054" y="800074"/>
+              <a:ext cx="2056012" cy="3813242"/>
+            </a:xfrm>
+            <a:prstGeom prst="roundRect">
+              <a:avLst/>
+            </a:prstGeom>
+            <a:solidFill>
+              <a:schemeClr val="accent2">
+                <a:lumMod val="20000"/>
+                <a:lumOff val="80000"/>
+              </a:schemeClr>
+            </a:solidFill>
+            <a:ln w="28575">
+              <a:solidFill>
+                <a:srgbClr val="41729C"/>
+              </a:solidFill>
+            </a:ln>
+            <a:effectLst>
+              <a:outerShdw blurRad="50800" dist="38100" dir="2700000" algn="tl" rotWithShape="0">
+                <a:prstClr val="black">
+                  <a:alpha val="40000"/>
+                </a:prstClr>
+              </a:outerShdw>
+            </a:effectLst>
+          </p:spPr>
+          <p:style>
+            <a:lnRef idx="2">
+              <a:schemeClr val="accent1">
+                <a:shade val="50000"/>
+              </a:schemeClr>
+            </a:lnRef>
+            <a:fillRef idx="1">
+              <a:schemeClr val="accent1"/>
+            </a:fillRef>
+            <a:effectRef idx="0">
+              <a:schemeClr val="accent1"/>
+            </a:effectRef>
+            <a:fontRef idx="minor">
+              <a:schemeClr val="lt1"/>
+            </a:fontRef>
+          </p:style>
+          <p:txBody>
+            <a:bodyPr rtlCol="0" anchor="ctr"/>
+            <a:lstStyle/>
+            <a:p>
+              <a:pPr algn="ctr"/>
+              <a:endParaRPr lang="es-ES"/>
+            </a:p>
+          </p:txBody>
+        </p:sp>
+        <p:sp>
+          <p:nvSpPr>
+            <p:cNvPr id="7" name="Rectangle 6">
+              <a:extLst>
+                <a:ext uri="{FF2B5EF4-FFF2-40B4-BE49-F238E27FC236}">
+                  <a16:creationId xmlns:a16="http://schemas.microsoft.com/office/drawing/2014/main" id="{7F1890F7-D60F-F91A-ED32-8CF0F65DF593}"/>
+                </a:ext>
+              </a:extLst>
+            </p:cNvPr>
+            <p:cNvSpPr/>
+            <p:nvPr/>
+          </p:nvSpPr>
+          <p:spPr>
+            <a:xfrm>
+              <a:off x="2100957" y="1863384"/>
+              <a:ext cx="1080000" cy="1080000"/>
+            </a:xfrm>
+            <a:prstGeom prst="rect">
+              <a:avLst/>
+            </a:prstGeom>
+            <a:solidFill>
+              <a:srgbClr val="BFBFBF"/>
+            </a:solidFill>
+            <a:ln w="28575">
+              <a:solidFill>
+                <a:srgbClr val="41729C"/>
+              </a:solidFill>
+            </a:ln>
+            <a:effectLst>
+              <a:outerShdw blurRad="50800" dist="38100" dir="2700000" algn="tl" rotWithShape="0">
+                <a:prstClr val="black">
+                  <a:alpha val="40000"/>
+                </a:prstClr>
+              </a:outerShdw>
+            </a:effectLst>
+          </p:spPr>
+          <p:style>
+            <a:lnRef idx="2">
+              <a:schemeClr val="accent1">
+                <a:shade val="50000"/>
+              </a:schemeClr>
+            </a:lnRef>
+            <a:fillRef idx="1">
+              <a:schemeClr val="accent1"/>
+            </a:fillRef>
+            <a:effectRef idx="0">
+              <a:schemeClr val="accent1"/>
+            </a:effectRef>
+            <a:fontRef idx="minor">
+              <a:schemeClr val="lt1"/>
+            </a:fontRef>
+          </p:style>
+          <p:txBody>
+            <a:bodyPr rtlCol="0" anchor="ctr"/>
+            <a:lstStyle/>
+            <a:p>
+              <a:pPr algn="ctr"/>
+              <a:r>
+                <a:rPr lang="en-US" sz="1600" b="1" dirty="0">
+                  <a:solidFill>
+                    <a:schemeClr val="tx1"/>
+                  </a:solidFill>
+                </a:rPr>
+                <a:t>MQTT Broker</a:t>
+              </a:r>
+            </a:p>
+          </p:txBody>
+        </p:sp>
+        <p:sp>
+          <p:nvSpPr>
+            <p:cNvPr id="8" name="Rectangle 7">
+              <a:extLst>
+                <a:ext uri="{FF2B5EF4-FFF2-40B4-BE49-F238E27FC236}">
+                  <a16:creationId xmlns:a16="http://schemas.microsoft.com/office/drawing/2014/main" id="{BA7C34E4-9F68-A4D4-B9AE-EE4EBDC13FFC}"/>
+                </a:ext>
+              </a:extLst>
+            </p:cNvPr>
+            <p:cNvSpPr/>
+            <p:nvPr/>
+          </p:nvSpPr>
+          <p:spPr>
+            <a:xfrm>
+              <a:off x="4007332" y="1863384"/>
+              <a:ext cx="1080000" cy="1080000"/>
+            </a:xfrm>
+            <a:prstGeom prst="rect">
+              <a:avLst/>
+            </a:prstGeom>
+            <a:solidFill>
+              <a:srgbClr val="BFBFBF"/>
+            </a:solidFill>
+            <a:ln w="28575">
+              <a:solidFill>
+                <a:srgbClr val="41729C"/>
+              </a:solidFill>
+            </a:ln>
+            <a:effectLst>
+              <a:outerShdw blurRad="50800" dist="38100" dir="2700000" algn="tl" rotWithShape="0">
+                <a:prstClr val="black">
+                  <a:alpha val="40000"/>
+                </a:prstClr>
+              </a:outerShdw>
+            </a:effectLst>
+          </p:spPr>
+          <p:style>
+            <a:lnRef idx="2">
+              <a:schemeClr val="accent1">
+                <a:shade val="50000"/>
+              </a:schemeClr>
+            </a:lnRef>
+            <a:fillRef idx="1">
+              <a:schemeClr val="accent1"/>
+            </a:fillRef>
+            <a:effectRef idx="0">
+              <a:schemeClr val="accent1"/>
+            </a:effectRef>
+            <a:fontRef idx="minor">
+              <a:schemeClr val="lt1"/>
+            </a:fontRef>
+          </p:style>
+          <p:txBody>
+            <a:bodyPr rtlCol="0" anchor="ctr"/>
+            <a:lstStyle/>
+            <a:p>
+              <a:pPr algn="ctr"/>
+              <a:r>
+                <a:rPr lang="en-US" sz="1600" b="1">
+                  <a:solidFill>
+                    <a:schemeClr val="tx1"/>
+                  </a:solidFill>
+                </a:rPr>
+                <a:t>IoT Agent</a:t>
+              </a:r>
+            </a:p>
+            <a:p>
+              <a:pPr algn="ctr"/>
+              <a:r>
+                <a:rPr lang="en-US" sz="1600" b="1">
+                  <a:solidFill>
+                    <a:schemeClr val="tx1"/>
+                  </a:solidFill>
+                </a:rPr>
+                <a:t>JSON</a:t>
+              </a:r>
+            </a:p>
+          </p:txBody>
+        </p:sp>
+        <p:sp>
+          <p:nvSpPr>
+            <p:cNvPr id="9" name="Rectangle 8">
+              <a:extLst>
+                <a:ext uri="{FF2B5EF4-FFF2-40B4-BE49-F238E27FC236}">
+                  <a16:creationId xmlns:a16="http://schemas.microsoft.com/office/drawing/2014/main" id="{7E78680E-1500-E969-13B6-EAB975EAFF89}"/>
+                </a:ext>
+              </a:extLst>
+            </p:cNvPr>
+            <p:cNvSpPr/>
+            <p:nvPr/>
+          </p:nvSpPr>
+          <p:spPr>
+            <a:xfrm>
+              <a:off x="5964703" y="1851516"/>
+              <a:ext cx="1080000" cy="1080000"/>
+            </a:xfrm>
+            <a:prstGeom prst="rect">
+              <a:avLst/>
+            </a:prstGeom>
+            <a:solidFill>
+              <a:srgbClr val="BFBFBF"/>
+            </a:solidFill>
+            <a:ln w="28575">
+              <a:solidFill>
+                <a:srgbClr val="41729C"/>
+              </a:solidFill>
+            </a:ln>
+            <a:effectLst>
+              <a:outerShdw blurRad="50800" dist="38100" dir="2700000" algn="tl" rotWithShape="0">
+                <a:prstClr val="black">
+                  <a:alpha val="40000"/>
+                </a:prstClr>
+              </a:outerShdw>
+            </a:effectLst>
+          </p:spPr>
+          <p:style>
+            <a:lnRef idx="2">
+              <a:schemeClr val="accent1">
+                <a:shade val="50000"/>
+              </a:schemeClr>
+            </a:lnRef>
+            <a:fillRef idx="1">
+              <a:schemeClr val="accent1"/>
+            </a:fillRef>
+            <a:effectRef idx="0">
+              <a:schemeClr val="accent1"/>
+            </a:effectRef>
+            <a:fontRef idx="minor">
+              <a:schemeClr val="lt1"/>
+            </a:fontRef>
+          </p:style>
+          <p:txBody>
+            <a:bodyPr rtlCol="0" anchor="ctr"/>
+            <a:lstStyle/>
+            <a:p>
+              <a:pPr algn="ctr"/>
+              <a:r>
+                <a:rPr lang="en-US" sz="1600" b="1" dirty="0">
+                  <a:solidFill>
+                    <a:schemeClr val="tx1"/>
+                  </a:solidFill>
+                </a:rPr>
+                <a:t>Orion Context Broker</a:t>
+              </a:r>
+            </a:p>
+          </p:txBody>
+        </p:sp>
+        <p:sp>
+          <p:nvSpPr>
+            <p:cNvPr id="10" name="Rectangle 9">
+              <a:extLst>
+                <a:ext uri="{FF2B5EF4-FFF2-40B4-BE49-F238E27FC236}">
+                  <a16:creationId xmlns:a16="http://schemas.microsoft.com/office/drawing/2014/main" id="{EC5F5867-B0B9-6C95-0C42-BA1458D186C1}"/>
+                </a:ext>
+              </a:extLst>
+            </p:cNvPr>
+            <p:cNvSpPr/>
+            <p:nvPr/>
+          </p:nvSpPr>
+          <p:spPr>
+            <a:xfrm>
+              <a:off x="7886402" y="1851516"/>
+              <a:ext cx="1080000" cy="1080000"/>
+            </a:xfrm>
+            <a:prstGeom prst="rect">
+              <a:avLst/>
+            </a:prstGeom>
+            <a:solidFill>
+              <a:srgbClr val="BFBFBF"/>
+            </a:solidFill>
+            <a:ln w="28575">
+              <a:solidFill>
+                <a:srgbClr val="41729C"/>
+              </a:solidFill>
+            </a:ln>
+            <a:effectLst>
+              <a:outerShdw blurRad="50800" dist="38100" dir="2700000" algn="tl" rotWithShape="0">
+                <a:prstClr val="black">
+                  <a:alpha val="40000"/>
+                </a:prstClr>
+              </a:outerShdw>
+            </a:effectLst>
+          </p:spPr>
+          <p:style>
+            <a:lnRef idx="2">
+              <a:schemeClr val="accent1">
+                <a:shade val="50000"/>
+              </a:schemeClr>
+            </a:lnRef>
+            <a:fillRef idx="1">
+              <a:schemeClr val="accent1"/>
+            </a:fillRef>
+            <a:effectRef idx="0">
+              <a:schemeClr val="accent1"/>
+            </a:effectRef>
+            <a:fontRef idx="minor">
+              <a:schemeClr val="lt1"/>
+            </a:fontRef>
+          </p:style>
+          <p:txBody>
+            <a:bodyPr rtlCol="0" anchor="ctr"/>
+            <a:lstStyle/>
+            <a:p>
+              <a:pPr algn="ctr"/>
+              <a:r>
+                <a:rPr lang="en-US" sz="1600" b="1">
+                  <a:solidFill>
+                    <a:schemeClr val="tx1"/>
+                  </a:solidFill>
+                </a:rPr>
+                <a:t>Quantum Leap</a:t>
+              </a:r>
+            </a:p>
+          </p:txBody>
+        </p:sp>
+        <p:sp>
+          <p:nvSpPr>
+            <p:cNvPr id="11" name="Cylinder 10">
+              <a:extLst>
+                <a:ext uri="{FF2B5EF4-FFF2-40B4-BE49-F238E27FC236}">
+                  <a16:creationId xmlns:a16="http://schemas.microsoft.com/office/drawing/2014/main" id="{6C11FAC8-B37C-3F7C-095E-829E6F84DD17}"/>
+                </a:ext>
+              </a:extLst>
+            </p:cNvPr>
+            <p:cNvSpPr/>
+            <p:nvPr/>
+          </p:nvSpPr>
+          <p:spPr>
+            <a:xfrm>
+              <a:off x="9768637" y="1851626"/>
+              <a:ext cx="882000" cy="1080000"/>
+            </a:xfrm>
+            <a:prstGeom prst="can">
+              <a:avLst/>
+            </a:prstGeom>
+            <a:solidFill>
+              <a:srgbClr val="BFBFBF"/>
+            </a:solidFill>
+            <a:ln w="28575">
+              <a:solidFill>
+                <a:srgbClr val="41729C"/>
+              </a:solidFill>
+            </a:ln>
+            <a:effectLst>
+              <a:outerShdw blurRad="50800" dist="38100" dir="2700000" algn="tl" rotWithShape="0">
+                <a:prstClr val="black">
+                  <a:alpha val="40000"/>
+                </a:prstClr>
+              </a:outerShdw>
+            </a:effectLst>
+          </p:spPr>
+          <p:style>
+            <a:lnRef idx="2">
+              <a:schemeClr val="accent1">
+                <a:shade val="50000"/>
+              </a:schemeClr>
+            </a:lnRef>
+            <a:fillRef idx="1">
+              <a:schemeClr val="accent1"/>
+            </a:fillRef>
+            <a:effectRef idx="0">
+              <a:schemeClr val="accent1"/>
+            </a:effectRef>
+            <a:fontRef idx="minor">
+              <a:schemeClr val="lt1"/>
+            </a:fontRef>
+          </p:style>
+          <p:txBody>
+            <a:bodyPr rtlCol="0" anchor="ctr"/>
+            <a:lstStyle/>
+            <a:p>
+              <a:pPr algn="ctr"/>
+              <a:r>
+                <a:rPr lang="en-US" sz="1600" b="1">
+                  <a:solidFill>
+                    <a:schemeClr val="tx1"/>
+                  </a:solidFill>
+                </a:rPr>
+                <a:t>Crate</a:t>
+              </a:r>
+            </a:p>
+            <a:p>
+              <a:pPr algn="ctr"/>
+              <a:r>
+                <a:rPr lang="en-US" sz="1600" b="1">
+                  <a:solidFill>
+                    <a:schemeClr val="tx1"/>
+                  </a:solidFill>
+                </a:rPr>
+                <a:t>DB</a:t>
+              </a:r>
+            </a:p>
+          </p:txBody>
+        </p:sp>
+        <p:sp>
+          <p:nvSpPr>
+            <p:cNvPr id="12" name="Rectangle 11">
+              <a:extLst>
+                <a:ext uri="{FF2B5EF4-FFF2-40B4-BE49-F238E27FC236}">
+                  <a16:creationId xmlns:a16="http://schemas.microsoft.com/office/drawing/2014/main" id="{CDB2C631-C92F-7587-BC56-F79E9CACE435}"/>
+                </a:ext>
+              </a:extLst>
+            </p:cNvPr>
+            <p:cNvSpPr/>
+            <p:nvPr/>
+          </p:nvSpPr>
+          <p:spPr>
+            <a:xfrm>
+              <a:off x="11464390" y="1851516"/>
+              <a:ext cx="1080000" cy="1080000"/>
+            </a:xfrm>
+            <a:prstGeom prst="rect">
+              <a:avLst/>
+            </a:prstGeom>
+            <a:solidFill>
+              <a:schemeClr val="accent2"/>
+            </a:solidFill>
+            <a:ln w="28575">
+              <a:solidFill>
+                <a:srgbClr val="41729C"/>
+              </a:solidFill>
+            </a:ln>
+            <a:effectLst>
+              <a:outerShdw blurRad="50800" dist="38100" dir="2700000" algn="tl" rotWithShape="0">
+                <a:prstClr val="black">
+                  <a:alpha val="40000"/>
+                </a:prstClr>
+              </a:outerShdw>
+            </a:effectLst>
+          </p:spPr>
+          <p:style>
+            <a:lnRef idx="2">
+              <a:schemeClr val="accent1">
+                <a:shade val="50000"/>
+              </a:schemeClr>
+            </a:lnRef>
+            <a:fillRef idx="1">
+              <a:schemeClr val="accent1"/>
+            </a:fillRef>
+            <a:effectRef idx="0">
+              <a:schemeClr val="accent1"/>
+            </a:effectRef>
+            <a:fontRef idx="minor">
+              <a:schemeClr val="lt1"/>
+            </a:fontRef>
+          </p:style>
+          <p:txBody>
+            <a:bodyPr rtlCol="0" anchor="ctr"/>
+            <a:lstStyle/>
+            <a:p>
+              <a:pPr algn="ctr"/>
+              <a:r>
+                <a:rPr lang="en-US" sz="1600" b="1" dirty="0">
+                  <a:solidFill>
+                    <a:schemeClr val="tx1"/>
+                  </a:solidFill>
+                </a:rPr>
+                <a:t>Grafana</a:t>
+              </a:r>
+            </a:p>
+          </p:txBody>
+        </p:sp>
+        <p:sp>
+          <p:nvSpPr>
+            <p:cNvPr id="23" name="Cylinder 22">
+              <a:extLst>
+                <a:ext uri="{FF2B5EF4-FFF2-40B4-BE49-F238E27FC236}">
+                  <a16:creationId xmlns:a16="http://schemas.microsoft.com/office/drawing/2014/main" id="{4B2DB42F-D786-710F-2DED-17E36A85D8A8}"/>
+                </a:ext>
+              </a:extLst>
+            </p:cNvPr>
+            <p:cNvSpPr/>
+            <p:nvPr/>
+          </p:nvSpPr>
+          <p:spPr>
+            <a:xfrm>
+              <a:off x="5087332" y="3079172"/>
+              <a:ext cx="882000" cy="1080000"/>
+            </a:xfrm>
+            <a:prstGeom prst="can">
+              <a:avLst/>
+            </a:prstGeom>
+            <a:solidFill>
+              <a:srgbClr val="BFBFBF"/>
+            </a:solidFill>
+            <a:ln w="28575">
+              <a:solidFill>
+                <a:srgbClr val="41729C"/>
+              </a:solidFill>
+            </a:ln>
+            <a:effectLst>
+              <a:outerShdw blurRad="50800" dist="38100" dir="2700000" algn="tl" rotWithShape="0">
+                <a:prstClr val="black">
+                  <a:alpha val="40000"/>
+                </a:prstClr>
+              </a:outerShdw>
+            </a:effectLst>
+          </p:spPr>
+          <p:style>
+            <a:lnRef idx="2">
+              <a:schemeClr val="accent1">
+                <a:shade val="50000"/>
+              </a:schemeClr>
+            </a:lnRef>
+            <a:fillRef idx="1">
+              <a:schemeClr val="accent1"/>
+            </a:fillRef>
+            <a:effectRef idx="0">
+              <a:schemeClr val="accent1"/>
+            </a:effectRef>
+            <a:fontRef idx="minor">
+              <a:schemeClr val="lt1"/>
+            </a:fontRef>
+          </p:style>
+          <p:txBody>
+            <a:bodyPr rtlCol="0" anchor="ctr"/>
+            <a:lstStyle/>
+            <a:p>
+              <a:pPr algn="ctr"/>
+              <a:r>
+                <a:rPr lang="es-ES" sz="1600" b="1" dirty="0">
+                  <a:solidFill>
+                    <a:schemeClr val="tx1"/>
+                  </a:solidFill>
+                </a:rPr>
+                <a:t>Mongo</a:t>
+              </a:r>
+            </a:p>
+            <a:p>
+              <a:pPr algn="ctr"/>
+              <a:r>
+                <a:rPr lang="es-ES" sz="1600" b="1" dirty="0">
+                  <a:solidFill>
+                    <a:schemeClr val="tx1"/>
+                  </a:solidFill>
+                </a:rPr>
+                <a:t>DB</a:t>
+              </a:r>
+            </a:p>
+          </p:txBody>
+        </p:sp>
+        <p:sp>
+          <p:nvSpPr>
+            <p:cNvPr id="32" name="Rectangle 31">
+              <a:extLst>
+                <a:ext uri="{FF2B5EF4-FFF2-40B4-BE49-F238E27FC236}">
+                  <a16:creationId xmlns:a16="http://schemas.microsoft.com/office/drawing/2014/main" id="{D8F67498-7439-DCCD-FE51-C1744468F6EB}"/>
+                </a:ext>
+              </a:extLst>
+            </p:cNvPr>
+            <p:cNvSpPr/>
+            <p:nvPr/>
+          </p:nvSpPr>
+          <p:spPr>
+            <a:xfrm>
+              <a:off x="-144541" y="1864216"/>
+              <a:ext cx="1377982" cy="1080000"/>
+            </a:xfrm>
+            <a:prstGeom prst="rect">
+              <a:avLst/>
+            </a:prstGeom>
+            <a:solidFill>
+              <a:schemeClr val="accent2"/>
+            </a:solidFill>
+            <a:ln w="28575">
+              <a:solidFill>
+                <a:srgbClr val="41729C"/>
+              </a:solidFill>
+            </a:ln>
+            <a:effectLst>
+              <a:outerShdw blurRad="50800" dist="38100" dir="2700000" algn="tl" rotWithShape="0">
+                <a:prstClr val="black">
+                  <a:alpha val="40000"/>
+                </a:prstClr>
+              </a:outerShdw>
+            </a:effectLst>
+          </p:spPr>
+          <p:style>
+            <a:lnRef idx="2">
+              <a:schemeClr val="accent1">
+                <a:shade val="50000"/>
+              </a:schemeClr>
+            </a:lnRef>
+            <a:fillRef idx="1">
+              <a:schemeClr val="accent1"/>
+            </a:fillRef>
+            <a:effectRef idx="0">
+              <a:schemeClr val="accent1"/>
+            </a:effectRef>
+            <a:fontRef idx="minor">
+              <a:schemeClr val="lt1"/>
+            </a:fontRef>
+          </p:style>
+          <p:txBody>
+            <a:bodyPr rtlCol="0" anchor="ctr"/>
+            <a:lstStyle/>
+            <a:p>
+              <a:pPr algn="ctr"/>
+              <a:r>
+                <a:rPr lang="en-US" sz="1600" b="1" dirty="0" err="1">
+                  <a:solidFill>
+                    <a:schemeClr val="tx1"/>
+                  </a:solidFill>
+                </a:rPr>
+                <a:t>efrecon</a:t>
+              </a:r>
+              <a:r>
+                <a:rPr lang="en-US" sz="1600" b="1" dirty="0">
+                  <a:solidFill>
+                    <a:schemeClr val="tx1"/>
+                  </a:solidFill>
+                </a:rPr>
+                <a:t>/mqtt-client Tool</a:t>
+              </a:r>
+            </a:p>
+          </p:txBody>
+        </p:sp>
+        <p:cxnSp>
+          <p:nvCxnSpPr>
+            <p:cNvPr id="57" name="Straight Arrow Connector 56">
+              <a:extLst>
+                <a:ext uri="{FF2B5EF4-FFF2-40B4-BE49-F238E27FC236}">
+                  <a16:creationId xmlns:a16="http://schemas.microsoft.com/office/drawing/2014/main" id="{1D548B01-AF1C-FF0B-1F31-38C127036155}"/>
+                </a:ext>
+              </a:extLst>
+            </p:cNvPr>
+            <p:cNvCxnSpPr>
+              <a:cxnSpLocks/>
+              <a:stCxn id="32" idx="3"/>
+              <a:endCxn id="7" idx="1"/>
+            </p:cNvCxnSpPr>
+            <p:nvPr/>
+          </p:nvCxnSpPr>
+          <p:spPr>
+            <a:xfrm flipV="1">
+              <a:off x="1233441" y="2403384"/>
+              <a:ext cx="867516" cy="832"/>
+            </a:xfrm>
+            <a:prstGeom prst="straightConnector1">
+              <a:avLst/>
+            </a:prstGeom>
+            <a:ln w="76200">
+              <a:solidFill>
+                <a:srgbClr val="C00000"/>
+              </a:solidFill>
+              <a:headEnd type="triangle"/>
+              <a:tailEnd type="triangle"/>
+            </a:ln>
+          </p:spPr>
+          <p:style>
+            <a:lnRef idx="1">
+              <a:schemeClr val="accent1"/>
+            </a:lnRef>
+            <a:fillRef idx="0">
+              <a:schemeClr val="accent1"/>
+            </a:fillRef>
+            <a:effectRef idx="0">
+              <a:schemeClr val="accent1"/>
+            </a:effectRef>
+            <a:fontRef idx="minor">
+              <a:schemeClr val="tx1"/>
+            </a:fontRef>
+          </p:style>
+        </p:cxnSp>
+        <p:cxnSp>
+          <p:nvCxnSpPr>
+            <p:cNvPr id="61" name="Straight Arrow Connector 60">
+              <a:extLst>
+                <a:ext uri="{FF2B5EF4-FFF2-40B4-BE49-F238E27FC236}">
+                  <a16:creationId xmlns:a16="http://schemas.microsoft.com/office/drawing/2014/main" id="{5471A100-A8FE-B8A9-4FF2-026B8348F8C3}"/>
+                </a:ext>
+              </a:extLst>
+            </p:cNvPr>
+            <p:cNvCxnSpPr>
+              <a:cxnSpLocks/>
+              <a:stCxn id="7" idx="3"/>
+              <a:endCxn id="8" idx="1"/>
+            </p:cNvCxnSpPr>
+            <p:nvPr/>
+          </p:nvCxnSpPr>
+          <p:spPr>
+            <a:xfrm>
+              <a:off x="3180957" y="2403384"/>
+              <a:ext cx="826375" cy="0"/>
+            </a:xfrm>
+            <a:prstGeom prst="straightConnector1">
+              <a:avLst/>
+            </a:prstGeom>
+            <a:ln w="76200">
+              <a:solidFill>
+                <a:schemeClr val="accent5">
+                  <a:lumMod val="75000"/>
+                </a:schemeClr>
+              </a:solidFill>
+              <a:headEnd type="triangle"/>
+              <a:tailEnd type="triangle"/>
+            </a:ln>
+          </p:spPr>
+          <p:style>
+            <a:lnRef idx="1">
+              <a:schemeClr val="accent1"/>
+            </a:lnRef>
+            <a:fillRef idx="0">
+              <a:schemeClr val="accent1"/>
+            </a:fillRef>
+            <a:effectRef idx="0">
+              <a:schemeClr val="accent1"/>
+            </a:effectRef>
+            <a:fontRef idx="minor">
+              <a:schemeClr val="tx1"/>
+            </a:fontRef>
+          </p:style>
+        </p:cxnSp>
+        <p:cxnSp>
+          <p:nvCxnSpPr>
+            <p:cNvPr id="66" name="Straight Arrow Connector 65">
+              <a:extLst>
+                <a:ext uri="{FF2B5EF4-FFF2-40B4-BE49-F238E27FC236}">
+                  <a16:creationId xmlns:a16="http://schemas.microsoft.com/office/drawing/2014/main" id="{7E0A451A-728B-A344-FDEC-C1864A366D09}"/>
+                </a:ext>
+              </a:extLst>
+            </p:cNvPr>
+            <p:cNvCxnSpPr>
+              <a:cxnSpLocks/>
+              <a:stCxn id="8" idx="3"/>
+              <a:endCxn id="9" idx="1"/>
+            </p:cNvCxnSpPr>
+            <p:nvPr/>
+          </p:nvCxnSpPr>
+          <p:spPr>
+            <a:xfrm flipV="1">
+              <a:off x="5087332" y="2391516"/>
+              <a:ext cx="877371" cy="11868"/>
+            </a:xfrm>
+            <a:prstGeom prst="straightConnector1">
+              <a:avLst/>
+            </a:prstGeom>
+            <a:ln w="76200">
+              <a:solidFill>
+                <a:schemeClr val="accent5">
+                  <a:lumMod val="75000"/>
+                </a:schemeClr>
+              </a:solidFill>
+              <a:headEnd type="triangle"/>
+              <a:tailEnd type="triangle"/>
+            </a:ln>
+          </p:spPr>
+          <p:style>
+            <a:lnRef idx="1">
+              <a:schemeClr val="accent1"/>
+            </a:lnRef>
+            <a:fillRef idx="0">
+              <a:schemeClr val="accent1"/>
+            </a:fillRef>
+            <a:effectRef idx="0">
+              <a:schemeClr val="accent1"/>
+            </a:effectRef>
+            <a:fontRef idx="minor">
+              <a:schemeClr val="tx1"/>
+            </a:fontRef>
+          </p:style>
+        </p:cxnSp>
+        <p:cxnSp>
+          <p:nvCxnSpPr>
+            <p:cNvPr id="73" name="Connector: Elbow 72">
+              <a:extLst>
+                <a:ext uri="{FF2B5EF4-FFF2-40B4-BE49-F238E27FC236}">
+                  <a16:creationId xmlns:a16="http://schemas.microsoft.com/office/drawing/2014/main" id="{7CE41D0E-B776-DABC-1726-E153FD64C73B}"/>
+                </a:ext>
+              </a:extLst>
+            </p:cNvPr>
+            <p:cNvCxnSpPr>
+              <a:stCxn id="8" idx="2"/>
+              <a:endCxn id="23" idx="2"/>
+            </p:cNvCxnSpPr>
+            <p:nvPr/>
+          </p:nvCxnSpPr>
+          <p:spPr>
+            <a:xfrm rot="16200000" flipH="1">
+              <a:off x="4479438" y="3011278"/>
+              <a:ext cx="675788" cy="540000"/>
+            </a:xfrm>
+            <a:prstGeom prst="bentConnector2">
+              <a:avLst/>
+            </a:prstGeom>
+            <a:ln w="76200">
+              <a:headEnd type="triangle"/>
+              <a:tailEnd type="triangle"/>
+            </a:ln>
+          </p:spPr>
+          <p:style>
+            <a:lnRef idx="1">
+              <a:schemeClr val="accent1"/>
+            </a:lnRef>
+            <a:fillRef idx="0">
+              <a:schemeClr val="accent1"/>
+            </a:fillRef>
+            <a:effectRef idx="0">
+              <a:schemeClr val="accent1"/>
+            </a:effectRef>
+            <a:fontRef idx="minor">
+              <a:schemeClr val="tx1"/>
+            </a:fontRef>
+          </p:style>
+        </p:cxnSp>
+        <p:cxnSp>
+          <p:nvCxnSpPr>
+            <p:cNvPr id="76" name="Connector: Elbow 75">
+              <a:extLst>
+                <a:ext uri="{FF2B5EF4-FFF2-40B4-BE49-F238E27FC236}">
+                  <a16:creationId xmlns:a16="http://schemas.microsoft.com/office/drawing/2014/main" id="{525CC255-E284-4A16-78D7-0A31AEBF7566}"/>
+                </a:ext>
+              </a:extLst>
+            </p:cNvPr>
+            <p:cNvCxnSpPr>
+              <a:cxnSpLocks/>
+              <a:stCxn id="9" idx="2"/>
+              <a:endCxn id="23" idx="4"/>
+            </p:cNvCxnSpPr>
+            <p:nvPr/>
+          </p:nvCxnSpPr>
+          <p:spPr>
+            <a:xfrm rot="5400000">
+              <a:off x="5893190" y="3007659"/>
+              <a:ext cx="687656" cy="535371"/>
+            </a:xfrm>
+            <a:prstGeom prst="bentConnector2">
+              <a:avLst/>
+            </a:prstGeom>
+            <a:ln w="76200">
+              <a:headEnd type="triangle"/>
+              <a:tailEnd type="triangle"/>
+            </a:ln>
+          </p:spPr>
+          <p:style>
+            <a:lnRef idx="1">
+              <a:schemeClr val="accent1"/>
+            </a:lnRef>
+            <a:fillRef idx="0">
+              <a:schemeClr val="accent1"/>
+            </a:fillRef>
+            <a:effectRef idx="0">
+              <a:schemeClr val="accent1"/>
+            </a:effectRef>
+            <a:fontRef idx="minor">
+              <a:schemeClr val="tx1"/>
+            </a:fontRef>
+          </p:style>
+        </p:cxnSp>
+        <p:cxnSp>
+          <p:nvCxnSpPr>
+            <p:cNvPr id="79" name="Straight Arrow Connector 78">
+              <a:extLst>
+                <a:ext uri="{FF2B5EF4-FFF2-40B4-BE49-F238E27FC236}">
+                  <a16:creationId xmlns:a16="http://schemas.microsoft.com/office/drawing/2014/main" id="{B0C926B9-F4D8-CB23-C421-0E043293EDC7}"/>
+                </a:ext>
+              </a:extLst>
+            </p:cNvPr>
+            <p:cNvCxnSpPr>
+              <a:cxnSpLocks/>
+              <a:stCxn id="9" idx="3"/>
+              <a:endCxn id="10" idx="1"/>
+            </p:cNvCxnSpPr>
+            <p:nvPr/>
+          </p:nvCxnSpPr>
+          <p:spPr>
+            <a:xfrm>
+              <a:off x="7044703" y="2391516"/>
+              <a:ext cx="841699" cy="0"/>
+            </a:xfrm>
+            <a:prstGeom prst="straightConnector1">
+              <a:avLst/>
+            </a:prstGeom>
+            <a:ln w="76200">
+              <a:solidFill>
+                <a:schemeClr val="accent5">
+                  <a:lumMod val="75000"/>
+                </a:schemeClr>
+              </a:solidFill>
+              <a:headEnd type="triangle"/>
+              <a:tailEnd type="triangle"/>
+            </a:ln>
+          </p:spPr>
+          <p:style>
+            <a:lnRef idx="1">
+              <a:schemeClr val="accent1"/>
+            </a:lnRef>
+            <a:fillRef idx="0">
+              <a:schemeClr val="accent1"/>
+            </a:fillRef>
+            <a:effectRef idx="0">
+              <a:schemeClr val="accent1"/>
+            </a:effectRef>
+            <a:fontRef idx="minor">
+              <a:schemeClr val="tx1"/>
+            </a:fontRef>
+          </p:style>
+        </p:cxnSp>
+        <p:cxnSp>
+          <p:nvCxnSpPr>
+            <p:cNvPr id="83" name="Straight Arrow Connector 82">
+              <a:extLst>
+                <a:ext uri="{FF2B5EF4-FFF2-40B4-BE49-F238E27FC236}">
+                  <a16:creationId xmlns:a16="http://schemas.microsoft.com/office/drawing/2014/main" id="{2F270F80-18F2-A69B-9922-A737E141C48D}"/>
+                </a:ext>
+              </a:extLst>
+            </p:cNvPr>
+            <p:cNvCxnSpPr>
+              <a:cxnSpLocks/>
+              <a:stCxn id="10" idx="3"/>
+              <a:endCxn id="11" idx="2"/>
+            </p:cNvCxnSpPr>
+            <p:nvPr/>
+          </p:nvCxnSpPr>
+          <p:spPr>
+            <a:xfrm>
+              <a:off x="8966402" y="2391516"/>
+              <a:ext cx="802235" cy="110"/>
+            </a:xfrm>
+            <a:prstGeom prst="straightConnector1">
+              <a:avLst/>
+            </a:prstGeom>
+            <a:ln w="76200">
+              <a:solidFill>
+                <a:schemeClr val="accent5">
+                  <a:lumMod val="75000"/>
+                </a:schemeClr>
+              </a:solidFill>
+              <a:headEnd type="triangle"/>
+              <a:tailEnd type="triangle"/>
+            </a:ln>
+          </p:spPr>
+          <p:style>
+            <a:lnRef idx="1">
+              <a:schemeClr val="accent1"/>
+            </a:lnRef>
+            <a:fillRef idx="0">
+              <a:schemeClr val="accent1"/>
+            </a:fillRef>
+            <a:effectRef idx="0">
+              <a:schemeClr val="accent1"/>
+            </a:effectRef>
+            <a:fontRef idx="minor">
+              <a:schemeClr val="tx1"/>
+            </a:fontRef>
+          </p:style>
+        </p:cxnSp>
+        <p:cxnSp>
+          <p:nvCxnSpPr>
+            <p:cNvPr id="87" name="Straight Arrow Connector 86">
+              <a:extLst>
+                <a:ext uri="{FF2B5EF4-FFF2-40B4-BE49-F238E27FC236}">
+                  <a16:creationId xmlns:a16="http://schemas.microsoft.com/office/drawing/2014/main" id="{CDF8659C-C9D4-735A-A96B-4516B6AA5D29}"/>
+                </a:ext>
+              </a:extLst>
+            </p:cNvPr>
+            <p:cNvCxnSpPr>
+              <a:cxnSpLocks/>
+              <a:stCxn id="11" idx="4"/>
+              <a:endCxn id="12" idx="1"/>
+            </p:cNvCxnSpPr>
+            <p:nvPr/>
+          </p:nvCxnSpPr>
+          <p:spPr>
+            <a:xfrm flipV="1">
+              <a:off x="10650637" y="2391516"/>
+              <a:ext cx="813753" cy="110"/>
+            </a:xfrm>
+            <a:prstGeom prst="straightConnector1">
+              <a:avLst/>
+            </a:prstGeom>
+            <a:ln w="76200">
+              <a:solidFill>
+                <a:schemeClr val="accent5">
+                  <a:lumMod val="75000"/>
+                </a:schemeClr>
+              </a:solidFill>
+              <a:headEnd type="triangle"/>
+              <a:tailEnd type="triangle"/>
+            </a:ln>
+          </p:spPr>
+          <p:style>
+            <a:lnRef idx="1">
+              <a:schemeClr val="accent1"/>
+            </a:lnRef>
+            <a:fillRef idx="0">
+              <a:schemeClr val="accent1"/>
+            </a:fillRef>
+            <a:effectRef idx="0">
+              <a:schemeClr val="accent1"/>
+            </a:effectRef>
+            <a:fontRef idx="minor">
+              <a:schemeClr val="tx1"/>
+            </a:fontRef>
+          </p:style>
+        </p:cxnSp>
+        <p:sp>
+          <p:nvSpPr>
+            <p:cNvPr id="104" name="TextBox 103">
+              <a:extLst>
+                <a:ext uri="{FF2B5EF4-FFF2-40B4-BE49-F238E27FC236}">
+                  <a16:creationId xmlns:a16="http://schemas.microsoft.com/office/drawing/2014/main" id="{773549F2-A339-7691-AC6E-CA5EA52CF724}"/>
+                </a:ext>
+              </a:extLst>
+            </p:cNvPr>
+            <p:cNvSpPr txBox="1"/>
+            <p:nvPr/>
+          </p:nvSpPr>
+          <p:spPr>
+            <a:xfrm>
+              <a:off x="6841829" y="956463"/>
+              <a:ext cx="962919" cy="369332"/>
+            </a:xfrm>
+            <a:prstGeom prst="rect">
+              <a:avLst/>
+            </a:prstGeom>
+            <a:noFill/>
+          </p:spPr>
+          <p:txBody>
+            <a:bodyPr wrap="square">
+              <a:spAutoFit/>
+            </a:bodyPr>
+            <a:lstStyle/>
+            <a:p>
+              <a:pPr algn="ctr"/>
+              <a:r>
+                <a:rPr lang="en-US" sz="1800" b="1" dirty="0">
+                  <a:solidFill>
+                    <a:schemeClr val="tx1"/>
+                  </a:solidFill>
+                </a:rPr>
+                <a:t>MEC</a:t>
+              </a:r>
+              <a:endParaRPr lang="es-ES" dirty="0"/>
+            </a:p>
+          </p:txBody>
+        </p:sp>
+        <p:sp>
+          <p:nvSpPr>
+            <p:cNvPr id="106" name="TextBox 105">
+              <a:extLst>
+                <a:ext uri="{FF2B5EF4-FFF2-40B4-BE49-F238E27FC236}">
+                  <a16:creationId xmlns:a16="http://schemas.microsoft.com/office/drawing/2014/main" id="{6B91136B-882E-42A9-4838-74CBB1DDF3AE}"/>
+                </a:ext>
+              </a:extLst>
+            </p:cNvPr>
+            <p:cNvSpPr txBox="1"/>
+            <p:nvPr/>
+          </p:nvSpPr>
+          <p:spPr>
+            <a:xfrm>
+              <a:off x="-675765" y="954884"/>
+              <a:ext cx="2417433" cy="369332"/>
+            </a:xfrm>
+            <a:prstGeom prst="rect">
+              <a:avLst/>
+            </a:prstGeom>
+            <a:noFill/>
+          </p:spPr>
+          <p:txBody>
+            <a:bodyPr wrap="square">
+              <a:spAutoFit/>
+            </a:bodyPr>
+            <a:lstStyle/>
+            <a:p>
+              <a:pPr algn="ctr"/>
+              <a:r>
+                <a:rPr lang="en-US" sz="1800" b="1" dirty="0">
+                  <a:solidFill>
+                    <a:schemeClr val="tx1"/>
+                  </a:solidFill>
+                </a:rPr>
+                <a:t>FIELD DEVICES</a:t>
+              </a:r>
+              <a:endParaRPr lang="es-ES" dirty="0"/>
+            </a:p>
+          </p:txBody>
+        </p:sp>
+        <p:cxnSp>
+          <p:nvCxnSpPr>
+            <p:cNvPr id="111" name="Straight Arrow Connector 110">
+              <a:extLst>
+                <a:ext uri="{FF2B5EF4-FFF2-40B4-BE49-F238E27FC236}">
+                  <a16:creationId xmlns:a16="http://schemas.microsoft.com/office/drawing/2014/main" id="{973D7E5D-1DBA-FE07-FE62-12F2308F153A}"/>
+                </a:ext>
+              </a:extLst>
+            </p:cNvPr>
+            <p:cNvCxnSpPr/>
+            <p:nvPr/>
+          </p:nvCxnSpPr>
+          <p:spPr>
+            <a:xfrm>
+              <a:off x="4870371" y="4834960"/>
+              <a:ext cx="826375" cy="0"/>
+            </a:xfrm>
+            <a:prstGeom prst="straightConnector1">
+              <a:avLst/>
+            </a:prstGeom>
+            <a:ln w="76200">
+              <a:solidFill>
+                <a:srgbClr val="C00000"/>
+              </a:solidFill>
+              <a:headEnd type="triangle"/>
+              <a:tailEnd type="triangle"/>
+            </a:ln>
+          </p:spPr>
+          <p:style>
+            <a:lnRef idx="1">
+              <a:schemeClr val="accent1"/>
+            </a:lnRef>
+            <a:fillRef idx="0">
+              <a:schemeClr val="accent1"/>
+            </a:fillRef>
+            <a:effectRef idx="0">
+              <a:schemeClr val="accent1"/>
+            </a:effectRef>
+            <a:fontRef idx="minor">
+              <a:schemeClr val="tx1"/>
+            </a:fontRef>
+          </p:style>
+        </p:cxnSp>
+        <p:sp>
+          <p:nvSpPr>
+            <p:cNvPr id="112" name="TextBox 111">
+              <a:extLst>
+                <a:ext uri="{FF2B5EF4-FFF2-40B4-BE49-F238E27FC236}">
+                  <a16:creationId xmlns:a16="http://schemas.microsoft.com/office/drawing/2014/main" id="{92B1D987-44C7-FCE8-1D6A-A2E945D65A2D}"/>
+                </a:ext>
+              </a:extLst>
+            </p:cNvPr>
+            <p:cNvSpPr txBox="1"/>
+            <p:nvPr/>
+          </p:nvSpPr>
+          <p:spPr>
+            <a:xfrm>
+              <a:off x="5602093" y="4650294"/>
+              <a:ext cx="962919" cy="369332"/>
+            </a:xfrm>
+            <a:prstGeom prst="rect">
+              <a:avLst/>
+            </a:prstGeom>
+            <a:noFill/>
+          </p:spPr>
+          <p:txBody>
+            <a:bodyPr wrap="square">
+              <a:spAutoFit/>
+            </a:bodyPr>
+            <a:lstStyle/>
+            <a:p>
+              <a:pPr algn="ctr"/>
+              <a:r>
+                <a:rPr lang="en-US" sz="1800" b="1" dirty="0">
+                  <a:solidFill>
+                    <a:schemeClr val="tx1"/>
+                  </a:solidFill>
+                </a:rPr>
+                <a:t>MQTT</a:t>
+              </a:r>
+              <a:endParaRPr lang="es-ES" dirty="0"/>
+            </a:p>
+          </p:txBody>
+        </p:sp>
+        <p:cxnSp>
+          <p:nvCxnSpPr>
+            <p:cNvPr id="113" name="Straight Arrow Connector 112">
+              <a:extLst>
+                <a:ext uri="{FF2B5EF4-FFF2-40B4-BE49-F238E27FC236}">
+                  <a16:creationId xmlns:a16="http://schemas.microsoft.com/office/drawing/2014/main" id="{2D923CC8-8C06-F241-9754-78DEFA0C9152}"/>
+                </a:ext>
+              </a:extLst>
+            </p:cNvPr>
+            <p:cNvCxnSpPr/>
+            <p:nvPr/>
+          </p:nvCxnSpPr>
+          <p:spPr>
+            <a:xfrm>
+              <a:off x="6799639" y="4834461"/>
+              <a:ext cx="826375" cy="0"/>
+            </a:xfrm>
+            <a:prstGeom prst="straightConnector1">
+              <a:avLst/>
+            </a:prstGeom>
+            <a:ln w="76200">
+              <a:solidFill>
+                <a:srgbClr val="41729C"/>
+              </a:solidFill>
+              <a:headEnd type="triangle"/>
+              <a:tailEnd type="triangle"/>
+            </a:ln>
+          </p:spPr>
+          <p:style>
+            <a:lnRef idx="1">
+              <a:schemeClr val="accent1"/>
+            </a:lnRef>
+            <a:fillRef idx="0">
+              <a:schemeClr val="accent1"/>
+            </a:fillRef>
+            <a:effectRef idx="0">
+              <a:schemeClr val="accent1"/>
+            </a:effectRef>
+            <a:fontRef idx="minor">
+              <a:schemeClr val="tx1"/>
+            </a:fontRef>
+          </p:style>
+        </p:cxnSp>
+        <p:sp>
+          <p:nvSpPr>
+            <p:cNvPr id="114" name="TextBox 113">
+              <a:extLst>
+                <a:ext uri="{FF2B5EF4-FFF2-40B4-BE49-F238E27FC236}">
+                  <a16:creationId xmlns:a16="http://schemas.microsoft.com/office/drawing/2014/main" id="{82A76681-CE2D-F6A8-F7EB-AECC3E64BAC6}"/>
+                </a:ext>
+              </a:extLst>
+            </p:cNvPr>
+            <p:cNvSpPr txBox="1"/>
+            <p:nvPr/>
+          </p:nvSpPr>
+          <p:spPr>
+            <a:xfrm>
+              <a:off x="7502886" y="4649795"/>
+              <a:ext cx="962919" cy="369332"/>
+            </a:xfrm>
+            <a:prstGeom prst="rect">
+              <a:avLst/>
+            </a:prstGeom>
+            <a:noFill/>
+          </p:spPr>
+          <p:txBody>
+            <a:bodyPr wrap="square">
+              <a:spAutoFit/>
+            </a:bodyPr>
+            <a:lstStyle/>
+            <a:p>
+              <a:pPr algn="ctr"/>
+              <a:r>
+                <a:rPr lang="en-US" sz="1800" b="1" dirty="0">
+                  <a:solidFill>
+                    <a:schemeClr val="tx1"/>
+                  </a:solidFill>
+                </a:rPr>
+                <a:t>HTTP</a:t>
+              </a:r>
+              <a:endParaRPr lang="es-ES" dirty="0"/>
+            </a:p>
+          </p:txBody>
+        </p:sp>
+      </p:grpSp>
+    </p:spTree>
+    <p:extLst>
+      <p:ext uri="{BB962C8B-B14F-4D97-AF65-F5344CB8AC3E}">
+        <p14:creationId xmlns:p14="http://schemas.microsoft.com/office/powerpoint/2010/main" val="2997687765"/>
+      </p:ext>
+    </p:extLst>
+  </p:cSld>
+  <p:clrMapOvr>
+    <a:masterClrMapping/>
+  </p:clrMapOvr>
+</p:sld>
+</file>
+
 <file path=ppt/theme/theme1.xml><?xml version="1.0" encoding="utf-8"?>
 <a:theme xmlns:a="http://schemas.openxmlformats.org/drawingml/2006/main" name="Office Theme">
   <a:themeElements>
